--- a/Project Final Feb 1 Member Retention.pptx
+++ b/Project Final Feb 1 Member Retention.pptx
@@ -36,7 +36,8 @@
     <p:sldId id="280" r:id="rId30"/>
     <p:sldId id="279" r:id="rId31"/>
     <p:sldId id="272" r:id="rId32"/>
-    <p:sldId id="273" r:id="rId33"/>
+    <p:sldId id="304" r:id="rId33"/>
+    <p:sldId id="273" r:id="rId34"/>
   </p:sldIdLst>
   <p:sldSz cx="9144000" cy="6858000" type="screen4x3"/>
   <p:notesSz cx="6858000" cy="9144000"/>
@@ -4280,6 +4281,788 @@
   <dgm:styleLbl name="trBgShp">
     <dgm:fillClrLst meth="repeat">
       <a:schemeClr val="accent1">
+        <a:tint val="50000"/>
+        <a:alpha val="40000"/>
+      </a:schemeClr>
+    </dgm:fillClrLst>
+    <dgm:linClrLst meth="repeat">
+      <a:schemeClr val="accent2"/>
+    </dgm:linClrLst>
+    <dgm:effectClrLst/>
+    <dgm:txLinClrLst/>
+    <dgm:txFillClrLst meth="repeat">
+      <a:schemeClr val="lt1"/>
+    </dgm:txFillClrLst>
+    <dgm:txEffectClrLst/>
+  </dgm:styleLbl>
+  <dgm:styleLbl name="fgShp">
+    <dgm:fillClrLst meth="repeat">
+      <a:schemeClr val="accent2">
+        <a:tint val="40000"/>
+      </a:schemeClr>
+    </dgm:fillClrLst>
+    <dgm:linClrLst meth="repeat">
+      <a:schemeClr val="lt1"/>
+    </dgm:linClrLst>
+    <dgm:effectClrLst/>
+    <dgm:txLinClrLst/>
+    <dgm:txFillClrLst meth="repeat">
+      <a:schemeClr val="dk1"/>
+    </dgm:txFillClrLst>
+    <dgm:txEffectClrLst/>
+  </dgm:styleLbl>
+  <dgm:styleLbl name="revTx">
+    <dgm:fillClrLst meth="repeat">
+      <a:schemeClr val="lt1">
+        <a:alpha val="0"/>
+      </a:schemeClr>
+    </dgm:fillClrLst>
+    <dgm:linClrLst meth="repeat">
+      <a:schemeClr val="dk1">
+        <a:alpha val="0"/>
+      </a:schemeClr>
+    </dgm:linClrLst>
+    <dgm:effectClrLst/>
+    <dgm:txLinClrLst/>
+    <dgm:txFillClrLst meth="repeat">
+      <a:schemeClr val="tx1"/>
+    </dgm:txFillClrLst>
+    <dgm:txEffectClrLst/>
+  </dgm:styleLbl>
+</dgm:colorsDef>
+</file>
+
+<file path=ppt/diagrams/colors14.xml><?xml version="1.0" encoding="utf-8"?>
+<dgm:colorsDef xmlns:dgm="http://schemas.openxmlformats.org/drawingml/2006/diagram" xmlns:a="http://schemas.openxmlformats.org/drawingml/2006/main" uniqueId="urn:microsoft.com/office/officeart/2005/8/colors/colorful2">
+  <dgm:title val=""/>
+  <dgm:desc val=""/>
+  <dgm:catLst>
+    <dgm:cat type="colorful" pri="10200"/>
+  </dgm:catLst>
+  <dgm:styleLbl name="node0">
+    <dgm:fillClrLst meth="repeat">
+      <a:schemeClr val="accent1"/>
+    </dgm:fillClrLst>
+    <dgm:linClrLst meth="repeat">
+      <a:schemeClr val="lt1"/>
+    </dgm:linClrLst>
+    <dgm:effectClrLst/>
+    <dgm:txLinClrLst/>
+    <dgm:txFillClrLst/>
+    <dgm:txEffectClrLst/>
+  </dgm:styleLbl>
+  <dgm:styleLbl name="node1">
+    <dgm:fillClrLst>
+      <a:schemeClr val="accent2"/>
+      <a:schemeClr val="accent3"/>
+    </dgm:fillClrLst>
+    <dgm:linClrLst meth="repeat">
+      <a:schemeClr val="lt1"/>
+    </dgm:linClrLst>
+    <dgm:effectClrLst/>
+    <dgm:txLinClrLst/>
+    <dgm:txFillClrLst/>
+    <dgm:txEffectClrLst/>
+  </dgm:styleLbl>
+  <dgm:styleLbl name="alignNode1">
+    <dgm:fillClrLst>
+      <a:schemeClr val="accent2"/>
+      <a:schemeClr val="accent3"/>
+    </dgm:fillClrLst>
+    <dgm:linClrLst>
+      <a:schemeClr val="accent2"/>
+      <a:schemeClr val="accent3"/>
+    </dgm:linClrLst>
+    <dgm:effectClrLst/>
+    <dgm:txLinClrLst/>
+    <dgm:txFillClrLst/>
+    <dgm:txEffectClrLst/>
+  </dgm:styleLbl>
+  <dgm:styleLbl name="lnNode1">
+    <dgm:fillClrLst>
+      <a:schemeClr val="accent2"/>
+      <a:schemeClr val="accent3"/>
+    </dgm:fillClrLst>
+    <dgm:linClrLst meth="repeat">
+      <a:schemeClr val="lt1"/>
+    </dgm:linClrLst>
+    <dgm:effectClrLst/>
+    <dgm:txLinClrLst/>
+    <dgm:txFillClrLst/>
+    <dgm:txEffectClrLst/>
+  </dgm:styleLbl>
+  <dgm:styleLbl name="vennNode1">
+    <dgm:fillClrLst>
+      <a:schemeClr val="accent2">
+        <a:alpha val="50000"/>
+      </a:schemeClr>
+      <a:schemeClr val="accent3">
+        <a:alpha val="50000"/>
+      </a:schemeClr>
+    </dgm:fillClrLst>
+    <dgm:linClrLst meth="repeat">
+      <a:schemeClr val="lt1"/>
+    </dgm:linClrLst>
+    <dgm:effectClrLst/>
+    <dgm:txLinClrLst/>
+    <dgm:txFillClrLst/>
+    <dgm:txEffectClrLst/>
+  </dgm:styleLbl>
+  <dgm:styleLbl name="node2">
+    <dgm:fillClrLst>
+      <a:schemeClr val="accent3"/>
+    </dgm:fillClrLst>
+    <dgm:linClrLst meth="repeat">
+      <a:schemeClr val="lt1"/>
+    </dgm:linClrLst>
+    <dgm:effectClrLst/>
+    <dgm:txLinClrLst/>
+    <dgm:txFillClrLst/>
+    <dgm:txEffectClrLst/>
+  </dgm:styleLbl>
+  <dgm:styleLbl name="node3">
+    <dgm:fillClrLst>
+      <a:schemeClr val="accent4"/>
+    </dgm:fillClrLst>
+    <dgm:linClrLst meth="repeat">
+      <a:schemeClr val="lt1"/>
+    </dgm:linClrLst>
+    <dgm:effectClrLst/>
+    <dgm:txLinClrLst/>
+    <dgm:txFillClrLst/>
+    <dgm:txEffectClrLst/>
+  </dgm:styleLbl>
+  <dgm:styleLbl name="node4">
+    <dgm:fillClrLst>
+      <a:schemeClr val="accent5"/>
+    </dgm:fillClrLst>
+    <dgm:linClrLst meth="repeat">
+      <a:schemeClr val="lt1"/>
+    </dgm:linClrLst>
+    <dgm:effectClrLst/>
+    <dgm:txLinClrLst/>
+    <dgm:txFillClrLst/>
+    <dgm:txEffectClrLst/>
+  </dgm:styleLbl>
+  <dgm:styleLbl name="fgImgPlace1">
+    <dgm:fillClrLst>
+      <a:schemeClr val="accent2">
+        <a:tint val="50000"/>
+      </a:schemeClr>
+      <a:schemeClr val="accent3">
+        <a:tint val="50000"/>
+      </a:schemeClr>
+    </dgm:fillClrLst>
+    <dgm:linClrLst meth="repeat">
+      <a:schemeClr val="lt1"/>
+    </dgm:linClrLst>
+    <dgm:effectClrLst/>
+    <dgm:txLinClrLst/>
+    <dgm:txFillClrLst meth="repeat">
+      <a:schemeClr val="lt1"/>
+    </dgm:txFillClrLst>
+    <dgm:txEffectClrLst/>
+  </dgm:styleLbl>
+  <dgm:styleLbl name="alignImgPlace1">
+    <dgm:fillClrLst>
+      <a:schemeClr val="accent2">
+        <a:tint val="50000"/>
+      </a:schemeClr>
+      <a:schemeClr val="accent3">
+        <a:tint val="20000"/>
+      </a:schemeClr>
+    </dgm:fillClrLst>
+    <dgm:linClrLst meth="repeat">
+      <a:schemeClr val="lt1"/>
+    </dgm:linClrLst>
+    <dgm:effectClrLst/>
+    <dgm:txLinClrLst/>
+    <dgm:txFillClrLst meth="repeat">
+      <a:schemeClr val="lt1"/>
+    </dgm:txFillClrLst>
+    <dgm:txEffectClrLst/>
+  </dgm:styleLbl>
+  <dgm:styleLbl name="bgImgPlace1">
+    <dgm:fillClrLst>
+      <a:schemeClr val="accent2">
+        <a:tint val="50000"/>
+      </a:schemeClr>
+      <a:schemeClr val="accent3">
+        <a:tint val="20000"/>
+      </a:schemeClr>
+    </dgm:fillClrLst>
+    <dgm:linClrLst meth="repeat">
+      <a:schemeClr val="lt1"/>
+    </dgm:linClrLst>
+    <dgm:effectClrLst/>
+    <dgm:txLinClrLst/>
+    <dgm:txFillClrLst meth="repeat">
+      <a:schemeClr val="lt1"/>
+    </dgm:txFillClrLst>
+    <dgm:txEffectClrLst/>
+  </dgm:styleLbl>
+  <dgm:styleLbl name="sibTrans2D1">
+    <dgm:fillClrLst>
+      <a:schemeClr val="accent2"/>
+      <a:schemeClr val="accent3"/>
+    </dgm:fillClrLst>
+    <dgm:linClrLst meth="repeat">
+      <a:schemeClr val="lt1"/>
+    </dgm:linClrLst>
+    <dgm:effectClrLst/>
+    <dgm:txLinClrLst/>
+    <dgm:txFillClrLst/>
+    <dgm:txEffectClrLst/>
+  </dgm:styleLbl>
+  <dgm:styleLbl name="fgSibTrans2D1">
+    <dgm:fillClrLst>
+      <a:schemeClr val="accent2"/>
+      <a:schemeClr val="accent3"/>
+    </dgm:fillClrLst>
+    <dgm:linClrLst meth="repeat">
+      <a:schemeClr val="lt1"/>
+    </dgm:linClrLst>
+    <dgm:effectClrLst/>
+    <dgm:txLinClrLst/>
+    <dgm:txFillClrLst meth="repeat">
+      <a:schemeClr val="lt1"/>
+    </dgm:txFillClrLst>
+    <dgm:txEffectClrLst/>
+  </dgm:styleLbl>
+  <dgm:styleLbl name="bgSibTrans2D1">
+    <dgm:fillClrLst>
+      <a:schemeClr val="accent2"/>
+      <a:schemeClr val="accent3"/>
+    </dgm:fillClrLst>
+    <dgm:linClrLst meth="repeat">
+      <a:schemeClr val="lt1"/>
+    </dgm:linClrLst>
+    <dgm:effectClrLst/>
+    <dgm:txLinClrLst/>
+    <dgm:txFillClrLst meth="repeat">
+      <a:schemeClr val="lt1"/>
+    </dgm:txFillClrLst>
+    <dgm:txEffectClrLst/>
+  </dgm:styleLbl>
+  <dgm:styleLbl name="sibTrans1D1">
+    <dgm:fillClrLst/>
+    <dgm:linClrLst>
+      <a:schemeClr val="accent2"/>
+      <a:schemeClr val="accent3"/>
+    </dgm:linClrLst>
+    <dgm:effectClrLst/>
+    <dgm:txLinClrLst/>
+    <dgm:txFillClrLst meth="repeat">
+      <a:schemeClr val="tx1"/>
+    </dgm:txFillClrLst>
+    <dgm:txEffectClrLst/>
+  </dgm:styleLbl>
+  <dgm:styleLbl name="callout">
+    <dgm:fillClrLst meth="repeat">
+      <a:schemeClr val="accent2"/>
+    </dgm:fillClrLst>
+    <dgm:linClrLst meth="repeat">
+      <a:schemeClr val="accent2">
+        <a:tint val="50000"/>
+      </a:schemeClr>
+    </dgm:linClrLst>
+    <dgm:effectClrLst/>
+    <dgm:txLinClrLst/>
+    <dgm:txFillClrLst meth="repeat">
+      <a:schemeClr val="tx1"/>
+    </dgm:txFillClrLst>
+    <dgm:txEffectClrLst/>
+  </dgm:styleLbl>
+  <dgm:styleLbl name="asst0">
+    <dgm:fillClrLst meth="repeat">
+      <a:schemeClr val="accent2"/>
+    </dgm:fillClrLst>
+    <dgm:linClrLst meth="repeat">
+      <a:schemeClr val="lt1">
+        <a:shade val="80000"/>
+      </a:schemeClr>
+    </dgm:linClrLst>
+    <dgm:effectClrLst/>
+    <dgm:txLinClrLst/>
+    <dgm:txFillClrLst/>
+    <dgm:txEffectClrLst/>
+  </dgm:styleLbl>
+  <dgm:styleLbl name="asst1">
+    <dgm:fillClrLst meth="repeat">
+      <a:schemeClr val="accent3"/>
+    </dgm:fillClrLst>
+    <dgm:linClrLst meth="repeat">
+      <a:schemeClr val="lt1">
+        <a:shade val="80000"/>
+      </a:schemeClr>
+    </dgm:linClrLst>
+    <dgm:effectClrLst/>
+    <dgm:txLinClrLst/>
+    <dgm:txFillClrLst/>
+    <dgm:txEffectClrLst/>
+  </dgm:styleLbl>
+  <dgm:styleLbl name="asst2">
+    <dgm:fillClrLst>
+      <a:schemeClr val="accent4"/>
+    </dgm:fillClrLst>
+    <dgm:linClrLst meth="repeat">
+      <a:schemeClr val="lt1"/>
+    </dgm:linClrLst>
+    <dgm:effectClrLst/>
+    <dgm:txLinClrLst/>
+    <dgm:txFillClrLst/>
+    <dgm:txEffectClrLst/>
+  </dgm:styleLbl>
+  <dgm:styleLbl name="asst3">
+    <dgm:fillClrLst>
+      <a:schemeClr val="accent5"/>
+    </dgm:fillClrLst>
+    <dgm:linClrLst meth="repeat">
+      <a:schemeClr val="lt1"/>
+    </dgm:linClrLst>
+    <dgm:effectClrLst/>
+    <dgm:txLinClrLst/>
+    <dgm:txFillClrLst/>
+    <dgm:txEffectClrLst/>
+  </dgm:styleLbl>
+  <dgm:styleLbl name="asst4">
+    <dgm:fillClrLst>
+      <a:schemeClr val="accent6"/>
+    </dgm:fillClrLst>
+    <dgm:linClrLst meth="repeat">
+      <a:schemeClr val="lt1"/>
+    </dgm:linClrLst>
+    <dgm:effectClrLst/>
+    <dgm:txLinClrLst/>
+    <dgm:txFillClrLst/>
+    <dgm:txEffectClrLst/>
+  </dgm:styleLbl>
+  <dgm:styleLbl name="parChTrans2D1">
+    <dgm:fillClrLst meth="repeat">
+      <a:schemeClr val="accent2"/>
+    </dgm:fillClrLst>
+    <dgm:linClrLst meth="repeat">
+      <a:schemeClr val="lt1"/>
+    </dgm:linClrLst>
+    <dgm:effectClrLst/>
+    <dgm:txLinClrLst/>
+    <dgm:txFillClrLst meth="repeat">
+      <a:schemeClr val="lt1"/>
+    </dgm:txFillClrLst>
+    <dgm:txEffectClrLst/>
+  </dgm:styleLbl>
+  <dgm:styleLbl name="parChTrans2D2">
+    <dgm:fillClrLst meth="repeat">
+      <a:schemeClr val="accent3"/>
+    </dgm:fillClrLst>
+    <dgm:linClrLst meth="repeat">
+      <a:schemeClr val="lt1"/>
+    </dgm:linClrLst>
+    <dgm:effectClrLst/>
+    <dgm:txLinClrLst/>
+    <dgm:txFillClrLst/>
+    <dgm:txEffectClrLst/>
+  </dgm:styleLbl>
+  <dgm:styleLbl name="parChTrans2D3">
+    <dgm:fillClrLst meth="repeat">
+      <a:schemeClr val="accent4"/>
+    </dgm:fillClrLst>
+    <dgm:linClrLst meth="repeat">
+      <a:schemeClr val="lt1"/>
+    </dgm:linClrLst>
+    <dgm:effectClrLst/>
+    <dgm:txLinClrLst/>
+    <dgm:txFillClrLst/>
+    <dgm:txEffectClrLst/>
+  </dgm:styleLbl>
+  <dgm:styleLbl name="parChTrans2D4">
+    <dgm:fillClrLst meth="repeat">
+      <a:schemeClr val="accent5"/>
+    </dgm:fillClrLst>
+    <dgm:linClrLst meth="repeat">
+      <a:schemeClr val="lt1"/>
+    </dgm:linClrLst>
+    <dgm:effectClrLst/>
+    <dgm:txLinClrLst/>
+    <dgm:txFillClrLst meth="repeat">
+      <a:schemeClr val="lt1"/>
+    </dgm:txFillClrLst>
+    <dgm:txEffectClrLst/>
+  </dgm:styleLbl>
+  <dgm:styleLbl name="parChTrans1D1">
+    <dgm:fillClrLst meth="repeat">
+      <a:schemeClr val="accent2"/>
+    </dgm:fillClrLst>
+    <dgm:linClrLst meth="repeat">
+      <a:schemeClr val="accent2"/>
+    </dgm:linClrLst>
+    <dgm:effectClrLst/>
+    <dgm:txLinClrLst/>
+    <dgm:txFillClrLst meth="repeat">
+      <a:schemeClr val="tx1"/>
+    </dgm:txFillClrLst>
+    <dgm:txEffectClrLst/>
+  </dgm:styleLbl>
+  <dgm:styleLbl name="parChTrans1D2">
+    <dgm:fillClrLst meth="repeat">
+      <a:schemeClr val="accent2">
+        <a:tint val="90000"/>
+      </a:schemeClr>
+    </dgm:fillClrLst>
+    <dgm:linClrLst meth="repeat">
+      <a:schemeClr val="accent3"/>
+    </dgm:linClrLst>
+    <dgm:effectClrLst/>
+    <dgm:txLinClrLst/>
+    <dgm:txFillClrLst meth="repeat">
+      <a:schemeClr val="tx1"/>
+    </dgm:txFillClrLst>
+    <dgm:txEffectClrLst/>
+  </dgm:styleLbl>
+  <dgm:styleLbl name="parChTrans1D3">
+    <dgm:fillClrLst meth="repeat">
+      <a:schemeClr val="accent2">
+        <a:tint val="70000"/>
+      </a:schemeClr>
+    </dgm:fillClrLst>
+    <dgm:linClrLst meth="repeat">
+      <a:schemeClr val="accent4"/>
+    </dgm:linClrLst>
+    <dgm:effectClrLst/>
+    <dgm:txLinClrLst/>
+    <dgm:txFillClrLst meth="repeat">
+      <a:schemeClr val="tx1"/>
+    </dgm:txFillClrLst>
+    <dgm:txEffectClrLst/>
+  </dgm:styleLbl>
+  <dgm:styleLbl name="parChTrans1D4">
+    <dgm:fillClrLst meth="repeat">
+      <a:schemeClr val="accent2">
+        <a:tint val="50000"/>
+      </a:schemeClr>
+    </dgm:fillClrLst>
+    <dgm:linClrLst meth="repeat">
+      <a:schemeClr val="accent5"/>
+    </dgm:linClrLst>
+    <dgm:effectClrLst/>
+    <dgm:txLinClrLst/>
+    <dgm:txFillClrLst meth="repeat">
+      <a:schemeClr val="tx1"/>
+    </dgm:txFillClrLst>
+    <dgm:txEffectClrLst/>
+  </dgm:styleLbl>
+  <dgm:styleLbl name="fgAcc1">
+    <dgm:fillClrLst meth="repeat">
+      <a:schemeClr val="lt1">
+        <a:alpha val="90000"/>
+      </a:schemeClr>
+    </dgm:fillClrLst>
+    <dgm:linClrLst>
+      <a:schemeClr val="accent2"/>
+      <a:schemeClr val="accent3"/>
+    </dgm:linClrLst>
+    <dgm:effectClrLst/>
+    <dgm:txLinClrLst/>
+    <dgm:txFillClrLst meth="repeat">
+      <a:schemeClr val="dk1"/>
+    </dgm:txFillClrLst>
+    <dgm:txEffectClrLst/>
+  </dgm:styleLbl>
+  <dgm:styleLbl name="conFgAcc1">
+    <dgm:fillClrLst meth="repeat">
+      <a:schemeClr val="lt1">
+        <a:alpha val="90000"/>
+      </a:schemeClr>
+    </dgm:fillClrLst>
+    <dgm:linClrLst>
+      <a:schemeClr val="accent2"/>
+      <a:schemeClr val="accent3"/>
+    </dgm:linClrLst>
+    <dgm:effectClrLst/>
+    <dgm:txLinClrLst/>
+    <dgm:txFillClrLst meth="repeat">
+      <a:schemeClr val="dk1"/>
+    </dgm:txFillClrLst>
+    <dgm:txEffectClrLst/>
+  </dgm:styleLbl>
+  <dgm:styleLbl name="alignAcc1">
+    <dgm:fillClrLst meth="repeat">
+      <a:schemeClr val="lt1">
+        <a:alpha val="90000"/>
+      </a:schemeClr>
+    </dgm:fillClrLst>
+    <dgm:linClrLst>
+      <a:schemeClr val="accent2"/>
+      <a:schemeClr val="accent3"/>
+    </dgm:linClrLst>
+    <dgm:effectClrLst/>
+    <dgm:txLinClrLst/>
+    <dgm:txFillClrLst meth="repeat">
+      <a:schemeClr val="dk1"/>
+    </dgm:txFillClrLst>
+    <dgm:txEffectClrLst/>
+  </dgm:styleLbl>
+  <dgm:styleLbl name="trAlignAcc1">
+    <dgm:fillClrLst meth="repeat">
+      <a:schemeClr val="lt1">
+        <a:alpha val="40000"/>
+      </a:schemeClr>
+    </dgm:fillClrLst>
+    <dgm:linClrLst meth="repeat">
+      <a:schemeClr val="accent2"/>
+    </dgm:linClrLst>
+    <dgm:effectClrLst/>
+    <dgm:txLinClrLst/>
+    <dgm:txFillClrLst meth="repeat">
+      <a:schemeClr val="dk1"/>
+    </dgm:txFillClrLst>
+    <dgm:txEffectClrLst/>
+  </dgm:styleLbl>
+  <dgm:styleLbl name="bgAcc1">
+    <dgm:fillClrLst meth="repeat">
+      <a:schemeClr val="lt1">
+        <a:alpha val="90000"/>
+      </a:schemeClr>
+    </dgm:fillClrLst>
+    <dgm:linClrLst>
+      <a:schemeClr val="accent2"/>
+      <a:schemeClr val="accent3"/>
+    </dgm:linClrLst>
+    <dgm:effectClrLst/>
+    <dgm:txLinClrLst/>
+    <dgm:txFillClrLst meth="repeat">
+      <a:schemeClr val="dk1"/>
+    </dgm:txFillClrLst>
+    <dgm:txEffectClrLst/>
+  </dgm:styleLbl>
+  <dgm:styleLbl name="solidFgAcc1">
+    <dgm:fillClrLst meth="repeat">
+      <a:schemeClr val="lt1"/>
+    </dgm:fillClrLst>
+    <dgm:linClrLst>
+      <a:schemeClr val="accent2"/>
+      <a:schemeClr val="accent3"/>
+    </dgm:linClrLst>
+    <dgm:effectClrLst/>
+    <dgm:txLinClrLst/>
+    <dgm:txFillClrLst meth="repeat">
+      <a:schemeClr val="dk1"/>
+    </dgm:txFillClrLst>
+    <dgm:txEffectClrLst/>
+  </dgm:styleLbl>
+  <dgm:styleLbl name="solidAlignAcc1">
+    <dgm:fillClrLst meth="repeat">
+      <a:schemeClr val="lt1"/>
+    </dgm:fillClrLst>
+    <dgm:linClrLst>
+      <a:schemeClr val="accent2"/>
+      <a:schemeClr val="accent3"/>
+    </dgm:linClrLst>
+    <dgm:effectClrLst/>
+    <dgm:txLinClrLst/>
+    <dgm:txFillClrLst meth="repeat">
+      <a:schemeClr val="dk1"/>
+    </dgm:txFillClrLst>
+    <dgm:txEffectClrLst/>
+  </dgm:styleLbl>
+  <dgm:styleLbl name="solidBgAcc1">
+    <dgm:fillClrLst meth="repeat">
+      <a:schemeClr val="lt1"/>
+    </dgm:fillClrLst>
+    <dgm:linClrLst>
+      <a:schemeClr val="accent2"/>
+      <a:schemeClr val="accent3"/>
+    </dgm:linClrLst>
+    <dgm:effectClrLst/>
+    <dgm:txLinClrLst/>
+    <dgm:txFillClrLst meth="repeat">
+      <a:schemeClr val="dk1"/>
+    </dgm:txFillClrLst>
+    <dgm:txEffectClrLst/>
+  </dgm:styleLbl>
+  <dgm:styleLbl name="fgAccFollowNode1">
+    <dgm:fillClrLst>
+      <a:schemeClr val="accent2">
+        <a:tint val="40000"/>
+        <a:alpha val="90000"/>
+      </a:schemeClr>
+      <a:schemeClr val="accent3">
+        <a:tint val="40000"/>
+        <a:alpha val="90000"/>
+      </a:schemeClr>
+    </dgm:fillClrLst>
+    <dgm:linClrLst>
+      <a:schemeClr val="accent2">
+        <a:tint val="40000"/>
+        <a:alpha val="90000"/>
+      </a:schemeClr>
+      <a:schemeClr val="accent3">
+        <a:tint val="40000"/>
+        <a:alpha val="90000"/>
+      </a:schemeClr>
+    </dgm:linClrLst>
+    <dgm:effectClrLst/>
+    <dgm:txLinClrLst/>
+    <dgm:txFillClrLst meth="repeat">
+      <a:schemeClr val="dk1"/>
+    </dgm:txFillClrLst>
+    <dgm:txEffectClrLst/>
+  </dgm:styleLbl>
+  <dgm:styleLbl name="alignAccFollowNode1">
+    <dgm:fillClrLst>
+      <a:schemeClr val="accent2">
+        <a:tint val="40000"/>
+        <a:alpha val="90000"/>
+      </a:schemeClr>
+      <a:schemeClr val="accent3">
+        <a:tint val="40000"/>
+        <a:alpha val="90000"/>
+      </a:schemeClr>
+    </dgm:fillClrLst>
+    <dgm:linClrLst>
+      <a:schemeClr val="accent2">
+        <a:tint val="40000"/>
+        <a:alpha val="90000"/>
+      </a:schemeClr>
+      <a:schemeClr val="accent3">
+        <a:tint val="40000"/>
+        <a:alpha val="90000"/>
+      </a:schemeClr>
+    </dgm:linClrLst>
+    <dgm:effectClrLst/>
+    <dgm:txLinClrLst/>
+    <dgm:txFillClrLst meth="repeat">
+      <a:schemeClr val="dk1"/>
+    </dgm:txFillClrLst>
+    <dgm:txEffectClrLst/>
+  </dgm:styleLbl>
+  <dgm:styleLbl name="bgAccFollowNode1">
+    <dgm:fillClrLst>
+      <a:schemeClr val="accent2">
+        <a:tint val="40000"/>
+        <a:alpha val="90000"/>
+      </a:schemeClr>
+      <a:schemeClr val="accent3">
+        <a:tint val="40000"/>
+        <a:alpha val="90000"/>
+      </a:schemeClr>
+    </dgm:fillClrLst>
+    <dgm:linClrLst>
+      <a:schemeClr val="accent2">
+        <a:tint val="40000"/>
+        <a:alpha val="90000"/>
+      </a:schemeClr>
+      <a:schemeClr val="accent3">
+        <a:tint val="40000"/>
+        <a:alpha val="90000"/>
+      </a:schemeClr>
+    </dgm:linClrLst>
+    <dgm:effectClrLst/>
+    <dgm:txLinClrLst/>
+    <dgm:txFillClrLst meth="repeat">
+      <a:schemeClr val="dk1"/>
+    </dgm:txFillClrLst>
+    <dgm:txEffectClrLst/>
+  </dgm:styleLbl>
+  <dgm:styleLbl name="fgAcc0">
+    <dgm:fillClrLst meth="repeat">
+      <a:schemeClr val="lt1">
+        <a:alpha val="90000"/>
+      </a:schemeClr>
+    </dgm:fillClrLst>
+    <dgm:linClrLst>
+      <a:schemeClr val="accent1"/>
+    </dgm:linClrLst>
+    <dgm:effectClrLst/>
+    <dgm:txLinClrLst/>
+    <dgm:txFillClrLst meth="repeat">
+      <a:schemeClr val="dk1"/>
+    </dgm:txFillClrLst>
+    <dgm:txEffectClrLst/>
+  </dgm:styleLbl>
+  <dgm:styleLbl name="fgAcc2">
+    <dgm:fillClrLst meth="repeat">
+      <a:schemeClr val="lt1">
+        <a:alpha val="90000"/>
+      </a:schemeClr>
+    </dgm:fillClrLst>
+    <dgm:linClrLst>
+      <a:schemeClr val="accent3"/>
+    </dgm:linClrLst>
+    <dgm:effectClrLst/>
+    <dgm:txLinClrLst/>
+    <dgm:txFillClrLst meth="repeat">
+      <a:schemeClr val="dk1"/>
+    </dgm:txFillClrLst>
+    <dgm:txEffectClrLst/>
+  </dgm:styleLbl>
+  <dgm:styleLbl name="fgAcc3">
+    <dgm:fillClrLst meth="repeat">
+      <a:schemeClr val="lt1">
+        <a:alpha val="90000"/>
+      </a:schemeClr>
+    </dgm:fillClrLst>
+    <dgm:linClrLst>
+      <a:schemeClr val="accent4"/>
+    </dgm:linClrLst>
+    <dgm:effectClrLst/>
+    <dgm:txLinClrLst/>
+    <dgm:txFillClrLst meth="repeat">
+      <a:schemeClr val="dk1"/>
+    </dgm:txFillClrLst>
+    <dgm:txEffectClrLst/>
+  </dgm:styleLbl>
+  <dgm:styleLbl name="fgAcc4">
+    <dgm:fillClrLst meth="repeat">
+      <a:schemeClr val="lt1">
+        <a:alpha val="90000"/>
+      </a:schemeClr>
+    </dgm:fillClrLst>
+    <dgm:linClrLst>
+      <a:schemeClr val="accent5"/>
+    </dgm:linClrLst>
+    <dgm:effectClrLst/>
+    <dgm:txLinClrLst/>
+    <dgm:txFillClrLst meth="repeat">
+      <a:schemeClr val="dk1"/>
+    </dgm:txFillClrLst>
+    <dgm:txEffectClrLst/>
+  </dgm:styleLbl>
+  <dgm:styleLbl name="bgShp">
+    <dgm:fillClrLst meth="repeat">
+      <a:schemeClr val="accent2">
+        <a:tint val="40000"/>
+      </a:schemeClr>
+    </dgm:fillClrLst>
+    <dgm:linClrLst meth="repeat">
+      <a:schemeClr val="dk1"/>
+    </dgm:linClrLst>
+    <dgm:effectClrLst/>
+    <dgm:txLinClrLst/>
+    <dgm:txFillClrLst meth="repeat">
+      <a:schemeClr val="dk1"/>
+    </dgm:txFillClrLst>
+    <dgm:txEffectClrLst/>
+  </dgm:styleLbl>
+  <dgm:styleLbl name="dkBgShp">
+    <dgm:fillClrLst meth="repeat">
+      <a:schemeClr val="accent2">
+        <a:shade val="90000"/>
+      </a:schemeClr>
+    </dgm:fillClrLst>
+    <dgm:linClrLst meth="repeat">
+      <a:schemeClr val="dk1"/>
+    </dgm:linClrLst>
+    <dgm:effectClrLst/>
+    <dgm:txLinClrLst/>
+    <dgm:txFillClrLst meth="repeat">
+      <a:schemeClr val="lt1"/>
+    </dgm:txFillClrLst>
+    <dgm:txEffectClrLst/>
+  </dgm:styleLbl>
+  <dgm:styleLbl name="trBgShp">
+    <dgm:fillClrLst meth="repeat">
+      <a:schemeClr val="accent2">
         <a:tint val="50000"/>
         <a:alpha val="40000"/>
       </a:schemeClr>
@@ -12684,6 +13467,267 @@
     <dgm:cxn modelId="{35E59EEA-9557-4658-BD43-4AEC608203F5}" type="presParOf" srcId="{E5CAFCD3-9E43-4334-BDA7-E47AE4D3679C}" destId="{6943CA0F-6650-4D86-A05E-ABB7EA8CC530}" srcOrd="1" destOrd="0" presId="urn:microsoft.com/office/officeart/2018/5/layout/IconLeafLabelList"/>
     <dgm:cxn modelId="{CBFEF23D-04F2-48E8-AAE6-3243F9C6C063}" type="presParOf" srcId="{E5CAFCD3-9E43-4334-BDA7-E47AE4D3679C}" destId="{D922E89C-E084-4523-8A7A-2491B538A7E2}" srcOrd="2" destOrd="0" presId="urn:microsoft.com/office/officeart/2018/5/layout/IconLeafLabelList"/>
     <dgm:cxn modelId="{1145C8E2-8150-4667-8578-7F36924FB774}" type="presParOf" srcId="{E5CAFCD3-9E43-4334-BDA7-E47AE4D3679C}" destId="{C1EC450A-A0B8-47ED-B055-6EB10D0B064B}" srcOrd="3" destOrd="0" presId="urn:microsoft.com/office/officeart/2018/5/layout/IconLeafLabelList"/>
+  </dgm:cxnLst>
+  <dgm:bg/>
+  <dgm:whole/>
+  <dgm:extLst>
+    <a:ext uri="http://schemas.microsoft.com/office/drawing/2008/diagram">
+      <dsp:dataModelExt xmlns:dsp="http://schemas.microsoft.com/office/drawing/2008/diagram" relId="rId6" minVer="http://schemas.openxmlformats.org/drawingml/2006/diagram"/>
+    </a:ext>
+  </dgm:extLst>
+</dgm:dataModel>
+</file>
+
+<file path=ppt/diagrams/data14.xml><?xml version="1.0" encoding="utf-8"?>
+<dgm:dataModel xmlns:dgm="http://schemas.openxmlformats.org/drawingml/2006/diagram" xmlns:a="http://schemas.openxmlformats.org/drawingml/2006/main">
+  <dgm:ptLst>
+    <dgm:pt modelId="{AF73A100-6467-47F3-8982-B87FE9241C4E}" type="doc">
+      <dgm:prSet loTypeId="urn:microsoft.com/office/officeart/2005/8/layout/process4" loCatId="process" qsTypeId="urn:microsoft.com/office/officeart/2005/8/quickstyle/simple1" qsCatId="simple" csTypeId="urn:microsoft.com/office/officeart/2005/8/colors/colorful2" csCatId="colorful"/>
+      <dgm:spPr/>
+      <dgm:t>
+        <a:bodyPr/>
+        <a:lstStyle/>
+        <a:p>
+          <a:endParaRPr lang="en-US"/>
+        </a:p>
+      </dgm:t>
+    </dgm:pt>
+    <dgm:pt modelId="{5FFB8FF5-E48F-47F2-8C91-9098CE07D2D4}">
+      <dgm:prSet/>
+      <dgm:spPr/>
+      <dgm:t>
+        <a:bodyPr/>
+        <a:lstStyle/>
+        <a:p>
+          <a:r>
+            <a:rPr lang="en-US"/>
+            <a:t>There is a strong correlation between number of visits, weight loss, and churn. </a:t>
+          </a:r>
+        </a:p>
+      </dgm:t>
+    </dgm:pt>
+    <dgm:pt modelId="{FD017A3F-4E59-494E-829E-BF28551EEFA0}" type="parTrans" cxnId="{FE2446C9-05C4-42F7-9FAF-2D4660EF00B7}">
+      <dgm:prSet/>
+      <dgm:spPr/>
+      <dgm:t>
+        <a:bodyPr/>
+        <a:lstStyle/>
+        <a:p>
+          <a:endParaRPr lang="en-US"/>
+        </a:p>
+      </dgm:t>
+    </dgm:pt>
+    <dgm:pt modelId="{0CA1D990-61E1-4621-8DFB-3313F225E25B}" type="sibTrans" cxnId="{FE2446C9-05C4-42F7-9FAF-2D4660EF00B7}">
+      <dgm:prSet/>
+      <dgm:spPr/>
+      <dgm:t>
+        <a:bodyPr/>
+        <a:lstStyle/>
+        <a:p>
+          <a:endParaRPr lang="en-US"/>
+        </a:p>
+      </dgm:t>
+    </dgm:pt>
+    <dgm:pt modelId="{91ECB5A4-EB44-4E31-8E38-C9ACAD53A050}">
+      <dgm:prSet/>
+      <dgm:spPr/>
+      <dgm:t>
+        <a:bodyPr/>
+        <a:lstStyle/>
+        <a:p>
+          <a:r>
+            <a:rPr lang="en-US"/>
+            <a:t>The Management Team has developed a “premier” status for subscribers who reach the 13</a:t>
+          </a:r>
+          <a:r>
+            <a:rPr lang="en-US" baseline="30000"/>
+            <a:t>th</a:t>
+          </a:r>
+          <a:r>
+            <a:rPr lang="en-US"/>
+            <a:t> month and continue to month-to-month payments.</a:t>
+          </a:r>
+        </a:p>
+      </dgm:t>
+    </dgm:pt>
+    <dgm:pt modelId="{A1F17F62-0A23-455B-ACF6-7A54CA783193}" type="parTrans" cxnId="{268AC576-E2BB-40FB-B096-8933335370A7}">
+      <dgm:prSet/>
+      <dgm:spPr/>
+      <dgm:t>
+        <a:bodyPr/>
+        <a:lstStyle/>
+        <a:p>
+          <a:endParaRPr lang="en-US"/>
+        </a:p>
+      </dgm:t>
+    </dgm:pt>
+    <dgm:pt modelId="{C232C725-8046-4791-BB04-29DB7A0FFB3A}" type="sibTrans" cxnId="{268AC576-E2BB-40FB-B096-8933335370A7}">
+      <dgm:prSet/>
+      <dgm:spPr/>
+      <dgm:t>
+        <a:bodyPr/>
+        <a:lstStyle/>
+        <a:p>
+          <a:endParaRPr lang="en-US"/>
+        </a:p>
+      </dgm:t>
+    </dgm:pt>
+    <dgm:pt modelId="{6CF041CE-8BA2-4C59-8758-E11790AF5106}">
+      <dgm:prSet/>
+      <dgm:spPr/>
+      <dgm:t>
+        <a:bodyPr/>
+        <a:lstStyle/>
+        <a:p>
+          <a:r>
+            <a:rPr lang="en-US"/>
+            <a:t>However, as this data suggests, the Management team may want to review patients who are not losing weight in the first 5 visits and the satisfaction of existing patients.</a:t>
+          </a:r>
+        </a:p>
+      </dgm:t>
+    </dgm:pt>
+    <dgm:pt modelId="{C4CC1F51-065D-40EB-8F65-1030630604FF}" type="parTrans" cxnId="{3317F43E-76B0-4D7F-A468-E47B85C26C10}">
+      <dgm:prSet/>
+      <dgm:spPr/>
+      <dgm:t>
+        <a:bodyPr/>
+        <a:lstStyle/>
+        <a:p>
+          <a:endParaRPr lang="en-US"/>
+        </a:p>
+      </dgm:t>
+    </dgm:pt>
+    <dgm:pt modelId="{08D5F34F-806F-4ABC-A27B-EA9CCEFF8949}" type="sibTrans" cxnId="{3317F43E-76B0-4D7F-A468-E47B85C26C10}">
+      <dgm:prSet/>
+      <dgm:spPr/>
+      <dgm:t>
+        <a:bodyPr/>
+        <a:lstStyle/>
+        <a:p>
+          <a:endParaRPr lang="en-US"/>
+        </a:p>
+      </dgm:t>
+    </dgm:pt>
+    <dgm:pt modelId="{DB56F106-05CF-41B9-80D1-DBEABFE07D3D}">
+      <dgm:prSet/>
+      <dgm:spPr/>
+      <dgm:t>
+        <a:bodyPr/>
+        <a:lstStyle/>
+        <a:p>
+          <a:r>
+            <a:rPr lang="en-US"/>
+            <a:t>The decision to cancel may come well before the 11</a:t>
+          </a:r>
+          <a:r>
+            <a:rPr lang="en-US" baseline="30000"/>
+            <a:t>th</a:t>
+          </a:r>
+          <a:r>
+            <a:rPr lang="en-US"/>
+            <a:t> the month, thereby negating benefit of premier status.</a:t>
+          </a:r>
+        </a:p>
+      </dgm:t>
+    </dgm:pt>
+    <dgm:pt modelId="{1F5E30B7-82AD-4515-8930-BFB0C5968BDD}" type="parTrans" cxnId="{ABD2F611-633C-4FBF-A8DC-E9A6EC299C10}">
+      <dgm:prSet/>
+      <dgm:spPr/>
+      <dgm:t>
+        <a:bodyPr/>
+        <a:lstStyle/>
+        <a:p>
+          <a:endParaRPr lang="en-US"/>
+        </a:p>
+      </dgm:t>
+    </dgm:pt>
+    <dgm:pt modelId="{2A22DE4E-DECB-4A0E-B20F-B7DAE0DF15D6}" type="sibTrans" cxnId="{ABD2F611-633C-4FBF-A8DC-E9A6EC299C10}">
+      <dgm:prSet/>
+      <dgm:spPr/>
+      <dgm:t>
+        <a:bodyPr/>
+        <a:lstStyle/>
+        <a:p>
+          <a:endParaRPr lang="en-US"/>
+        </a:p>
+      </dgm:t>
+    </dgm:pt>
+    <dgm:pt modelId="{329D84E6-4165-4BBD-98FB-658ACC9D994B}" type="pres">
+      <dgm:prSet presAssocID="{AF73A100-6467-47F3-8982-B87FE9241C4E}" presName="Name0" presStyleCnt="0">
+        <dgm:presLayoutVars>
+          <dgm:dir/>
+          <dgm:animLvl val="lvl"/>
+          <dgm:resizeHandles val="exact"/>
+        </dgm:presLayoutVars>
+      </dgm:prSet>
+      <dgm:spPr/>
+    </dgm:pt>
+    <dgm:pt modelId="{7111BB2A-1D18-4758-9571-A68786FBEC9A}" type="pres">
+      <dgm:prSet presAssocID="{DB56F106-05CF-41B9-80D1-DBEABFE07D3D}" presName="boxAndChildren" presStyleCnt="0"/>
+      <dgm:spPr/>
+    </dgm:pt>
+    <dgm:pt modelId="{A86EDC32-D424-415D-A1AB-C9DACA91A4EC}" type="pres">
+      <dgm:prSet presAssocID="{DB56F106-05CF-41B9-80D1-DBEABFE07D3D}" presName="parentTextBox" presStyleLbl="node1" presStyleIdx="0" presStyleCnt="4"/>
+      <dgm:spPr/>
+    </dgm:pt>
+    <dgm:pt modelId="{34D93A65-34BE-4D44-8771-3FE5CF48FC75}" type="pres">
+      <dgm:prSet presAssocID="{08D5F34F-806F-4ABC-A27B-EA9CCEFF8949}" presName="sp" presStyleCnt="0"/>
+      <dgm:spPr/>
+    </dgm:pt>
+    <dgm:pt modelId="{8E84DADF-3F88-4EDE-B1C8-94DCF207D9D2}" type="pres">
+      <dgm:prSet presAssocID="{6CF041CE-8BA2-4C59-8758-E11790AF5106}" presName="arrowAndChildren" presStyleCnt="0"/>
+      <dgm:spPr/>
+    </dgm:pt>
+    <dgm:pt modelId="{E89E3AD4-71FA-449E-A0CB-A1F387819108}" type="pres">
+      <dgm:prSet presAssocID="{6CF041CE-8BA2-4C59-8758-E11790AF5106}" presName="parentTextArrow" presStyleLbl="node1" presStyleIdx="1" presStyleCnt="4"/>
+      <dgm:spPr/>
+    </dgm:pt>
+    <dgm:pt modelId="{81B65F3E-2261-4ECF-93E8-84D5BAE641F9}" type="pres">
+      <dgm:prSet presAssocID="{C232C725-8046-4791-BB04-29DB7A0FFB3A}" presName="sp" presStyleCnt="0"/>
+      <dgm:spPr/>
+    </dgm:pt>
+    <dgm:pt modelId="{7165E43C-B870-41ED-AE26-94E1F1ED2645}" type="pres">
+      <dgm:prSet presAssocID="{91ECB5A4-EB44-4E31-8E38-C9ACAD53A050}" presName="arrowAndChildren" presStyleCnt="0"/>
+      <dgm:spPr/>
+    </dgm:pt>
+    <dgm:pt modelId="{0DC860F0-0B4B-4496-8110-E0FFF0CD622E}" type="pres">
+      <dgm:prSet presAssocID="{91ECB5A4-EB44-4E31-8E38-C9ACAD53A050}" presName="parentTextArrow" presStyleLbl="node1" presStyleIdx="2" presStyleCnt="4"/>
+      <dgm:spPr/>
+    </dgm:pt>
+    <dgm:pt modelId="{7A60E7D0-9FA2-4008-814D-59DD92298B74}" type="pres">
+      <dgm:prSet presAssocID="{0CA1D990-61E1-4621-8DFB-3313F225E25B}" presName="sp" presStyleCnt="0"/>
+      <dgm:spPr/>
+    </dgm:pt>
+    <dgm:pt modelId="{30F1F979-F815-4AB5-8A86-95740D75785B}" type="pres">
+      <dgm:prSet presAssocID="{5FFB8FF5-E48F-47F2-8C91-9098CE07D2D4}" presName="arrowAndChildren" presStyleCnt="0"/>
+      <dgm:spPr/>
+    </dgm:pt>
+    <dgm:pt modelId="{3BE5B9FA-7CFD-4F3A-B9B1-B61E2BA40649}" type="pres">
+      <dgm:prSet presAssocID="{5FFB8FF5-E48F-47F2-8C91-9098CE07D2D4}" presName="parentTextArrow" presStyleLbl="node1" presStyleIdx="3" presStyleCnt="4"/>
+      <dgm:spPr/>
+    </dgm:pt>
+  </dgm:ptLst>
+  <dgm:cxnLst>
+    <dgm:cxn modelId="{ABD2F611-633C-4FBF-A8DC-E9A6EC299C10}" srcId="{AF73A100-6467-47F3-8982-B87FE9241C4E}" destId="{DB56F106-05CF-41B9-80D1-DBEABFE07D3D}" srcOrd="3" destOrd="0" parTransId="{1F5E30B7-82AD-4515-8930-BFB0C5968BDD}" sibTransId="{2A22DE4E-DECB-4A0E-B20F-B7DAE0DF15D6}"/>
+    <dgm:cxn modelId="{0AB47417-4A9A-4F6C-9D7E-DEB0E3CE8F16}" type="presOf" srcId="{6CF041CE-8BA2-4C59-8758-E11790AF5106}" destId="{E89E3AD4-71FA-449E-A0CB-A1F387819108}" srcOrd="0" destOrd="0" presId="urn:microsoft.com/office/officeart/2005/8/layout/process4"/>
+    <dgm:cxn modelId="{E547D326-7383-4927-8CA9-EC432C6ED15D}" type="presOf" srcId="{AF73A100-6467-47F3-8982-B87FE9241C4E}" destId="{329D84E6-4165-4BBD-98FB-658ACC9D994B}" srcOrd="0" destOrd="0" presId="urn:microsoft.com/office/officeart/2005/8/layout/process4"/>
+    <dgm:cxn modelId="{3317F43E-76B0-4D7F-A468-E47B85C26C10}" srcId="{AF73A100-6467-47F3-8982-B87FE9241C4E}" destId="{6CF041CE-8BA2-4C59-8758-E11790AF5106}" srcOrd="2" destOrd="0" parTransId="{C4CC1F51-065D-40EB-8F65-1030630604FF}" sibTransId="{08D5F34F-806F-4ABC-A27B-EA9CCEFF8949}"/>
+    <dgm:cxn modelId="{268AC576-E2BB-40FB-B096-8933335370A7}" srcId="{AF73A100-6467-47F3-8982-B87FE9241C4E}" destId="{91ECB5A4-EB44-4E31-8E38-C9ACAD53A050}" srcOrd="1" destOrd="0" parTransId="{A1F17F62-0A23-455B-ACF6-7A54CA783193}" sibTransId="{C232C725-8046-4791-BB04-29DB7A0FFB3A}"/>
+    <dgm:cxn modelId="{FF29A187-73E5-485C-B312-EC5B66B74BF4}" type="presOf" srcId="{5FFB8FF5-E48F-47F2-8C91-9098CE07D2D4}" destId="{3BE5B9FA-7CFD-4F3A-B9B1-B61E2BA40649}" srcOrd="0" destOrd="0" presId="urn:microsoft.com/office/officeart/2005/8/layout/process4"/>
+    <dgm:cxn modelId="{2E2BC6B3-34A0-468B-B28F-339ACF130699}" type="presOf" srcId="{91ECB5A4-EB44-4E31-8E38-C9ACAD53A050}" destId="{0DC860F0-0B4B-4496-8110-E0FFF0CD622E}" srcOrd="0" destOrd="0" presId="urn:microsoft.com/office/officeart/2005/8/layout/process4"/>
+    <dgm:cxn modelId="{FE2446C9-05C4-42F7-9FAF-2D4660EF00B7}" srcId="{AF73A100-6467-47F3-8982-B87FE9241C4E}" destId="{5FFB8FF5-E48F-47F2-8C91-9098CE07D2D4}" srcOrd="0" destOrd="0" parTransId="{FD017A3F-4E59-494E-829E-BF28551EEFA0}" sibTransId="{0CA1D990-61E1-4621-8DFB-3313F225E25B}"/>
+    <dgm:cxn modelId="{DE0457D1-0369-4339-8B78-ECC4255A8869}" type="presOf" srcId="{DB56F106-05CF-41B9-80D1-DBEABFE07D3D}" destId="{A86EDC32-D424-415D-A1AB-C9DACA91A4EC}" srcOrd="0" destOrd="0" presId="urn:microsoft.com/office/officeart/2005/8/layout/process4"/>
+    <dgm:cxn modelId="{420C3852-5DEF-4BE0-9EF6-8D2ED49AE735}" type="presParOf" srcId="{329D84E6-4165-4BBD-98FB-658ACC9D994B}" destId="{7111BB2A-1D18-4758-9571-A68786FBEC9A}" srcOrd="0" destOrd="0" presId="urn:microsoft.com/office/officeart/2005/8/layout/process4"/>
+    <dgm:cxn modelId="{B394B278-2FDB-40A4-A2AC-0D632D7E9CF2}" type="presParOf" srcId="{7111BB2A-1D18-4758-9571-A68786FBEC9A}" destId="{A86EDC32-D424-415D-A1AB-C9DACA91A4EC}" srcOrd="0" destOrd="0" presId="urn:microsoft.com/office/officeart/2005/8/layout/process4"/>
+    <dgm:cxn modelId="{0987D666-0E4D-4502-A6DA-25F05E25F5D0}" type="presParOf" srcId="{329D84E6-4165-4BBD-98FB-658ACC9D994B}" destId="{34D93A65-34BE-4D44-8771-3FE5CF48FC75}" srcOrd="1" destOrd="0" presId="urn:microsoft.com/office/officeart/2005/8/layout/process4"/>
+    <dgm:cxn modelId="{77D8876E-F5B2-456A-967F-D54CB9D96761}" type="presParOf" srcId="{329D84E6-4165-4BBD-98FB-658ACC9D994B}" destId="{8E84DADF-3F88-4EDE-B1C8-94DCF207D9D2}" srcOrd="2" destOrd="0" presId="urn:microsoft.com/office/officeart/2005/8/layout/process4"/>
+    <dgm:cxn modelId="{A3523612-AF3D-4E20-A179-A299644144FC}" type="presParOf" srcId="{8E84DADF-3F88-4EDE-B1C8-94DCF207D9D2}" destId="{E89E3AD4-71FA-449E-A0CB-A1F387819108}" srcOrd="0" destOrd="0" presId="urn:microsoft.com/office/officeart/2005/8/layout/process4"/>
+    <dgm:cxn modelId="{1B83F80E-F27C-4BFF-942E-331E029F8FB0}" type="presParOf" srcId="{329D84E6-4165-4BBD-98FB-658ACC9D994B}" destId="{81B65F3E-2261-4ECF-93E8-84D5BAE641F9}" srcOrd="3" destOrd="0" presId="urn:microsoft.com/office/officeart/2005/8/layout/process4"/>
+    <dgm:cxn modelId="{F8841518-BC81-433C-9E76-F565C8450BE2}" type="presParOf" srcId="{329D84E6-4165-4BBD-98FB-658ACC9D994B}" destId="{7165E43C-B870-41ED-AE26-94E1F1ED2645}" srcOrd="4" destOrd="0" presId="urn:microsoft.com/office/officeart/2005/8/layout/process4"/>
+    <dgm:cxn modelId="{E57562A6-F550-4AE9-AB73-254E22E8480C}" type="presParOf" srcId="{7165E43C-B870-41ED-AE26-94E1F1ED2645}" destId="{0DC860F0-0B4B-4496-8110-E0FFF0CD622E}" srcOrd="0" destOrd="0" presId="urn:microsoft.com/office/officeart/2005/8/layout/process4"/>
+    <dgm:cxn modelId="{EED33507-038C-43D2-86B6-6638A7FF8B9A}" type="presParOf" srcId="{329D84E6-4165-4BBD-98FB-658ACC9D994B}" destId="{7A60E7D0-9FA2-4008-814D-59DD92298B74}" srcOrd="5" destOrd="0" presId="urn:microsoft.com/office/officeart/2005/8/layout/process4"/>
+    <dgm:cxn modelId="{F1AD8ABE-E6DC-465B-B83E-2BE087A654F0}" type="presParOf" srcId="{329D84E6-4165-4BBD-98FB-658ACC9D994B}" destId="{30F1F979-F815-4AB5-8A86-95740D75785B}" srcOrd="6" destOrd="0" presId="urn:microsoft.com/office/officeart/2005/8/layout/process4"/>
+    <dgm:cxn modelId="{4669100D-9CA1-4918-AAFA-034CA1080B17}" type="presParOf" srcId="{30F1F979-F815-4AB5-8A86-95740D75785B}" destId="{3BE5B9FA-7CFD-4F3A-B9B1-B61E2BA40649}" srcOrd="0" destOrd="0" presId="urn:microsoft.com/office/officeart/2005/8/layout/process4"/>
   </dgm:cxnLst>
   <dgm:bg/>
   <dgm:whole/>
@@ -18171,6 +19215,346 @@
       <dsp:txXfrm>
         <a:off x="2633845" y="4964439"/>
         <a:ext cx="2185650" cy="787500"/>
+      </dsp:txXfrm>
+    </dsp:sp>
+  </dsp:spTree>
+</dsp:drawing>
+</file>
+
+<file path=ppt/diagrams/drawing14.xml><?xml version="1.0" encoding="utf-8"?>
+<dsp:drawing xmlns:dgm="http://schemas.openxmlformats.org/drawingml/2006/diagram" xmlns:dsp="http://schemas.microsoft.com/office/drawing/2008/diagram" xmlns:a="http://schemas.openxmlformats.org/drawingml/2006/main">
+  <dsp:spTree>
+    <dsp:nvGrpSpPr>
+      <dsp:cNvPr id="0" name=""/>
+      <dsp:cNvGrpSpPr/>
+    </dsp:nvGrpSpPr>
+    <dsp:grpSpPr/>
+    <dsp:sp modelId="{A86EDC32-D424-415D-A1AB-C9DACA91A4EC}">
+      <dsp:nvSpPr>
+        <dsp:cNvPr id="0" name=""/>
+        <dsp:cNvSpPr/>
+      </dsp:nvSpPr>
+      <dsp:spPr>
+        <a:xfrm>
+          <a:off x="0" y="4827324"/>
+          <a:ext cx="4885203" cy="1056100"/>
+        </a:xfrm>
+        <a:prstGeom prst="rect">
+          <a:avLst/>
+        </a:prstGeom>
+        <a:solidFill>
+          <a:schemeClr val="accent2">
+            <a:hueOff val="0"/>
+            <a:satOff val="0"/>
+            <a:lumOff val="0"/>
+            <a:alphaOff val="0"/>
+          </a:schemeClr>
+        </a:solidFill>
+        <a:ln w="12700" cap="flat" cmpd="sng" algn="ctr">
+          <a:solidFill>
+            <a:schemeClr val="lt1">
+              <a:hueOff val="0"/>
+              <a:satOff val="0"/>
+              <a:lumOff val="0"/>
+              <a:alphaOff val="0"/>
+            </a:schemeClr>
+          </a:solidFill>
+          <a:prstDash val="solid"/>
+          <a:miter lim="800000"/>
+        </a:ln>
+        <a:effectLst/>
+      </dsp:spPr>
+      <dsp:style>
+        <a:lnRef idx="2">
+          <a:scrgbClr r="0" g="0" b="0"/>
+        </a:lnRef>
+        <a:fillRef idx="1">
+          <a:scrgbClr r="0" g="0" b="0"/>
+        </a:fillRef>
+        <a:effectRef idx="0">
+          <a:scrgbClr r="0" g="0" b="0"/>
+        </a:effectRef>
+        <a:fontRef idx="minor">
+          <a:schemeClr val="lt1"/>
+        </a:fontRef>
+      </dsp:style>
+      <dsp:txBody>
+        <a:bodyPr spcFirstLastPara="0" vert="horz" wrap="square" lIns="106680" tIns="106680" rIns="106680" bIns="106680" numCol="1" spcCol="1270" anchor="ctr" anchorCtr="0">
+          <a:noAutofit/>
+        </a:bodyPr>
+        <a:lstStyle/>
+        <a:p>
+          <a:pPr marL="0" lvl="0" indent="0" algn="ctr" defTabSz="666750">
+            <a:lnSpc>
+              <a:spcPct val="90000"/>
+            </a:lnSpc>
+            <a:spcBef>
+              <a:spcPct val="0"/>
+            </a:spcBef>
+            <a:spcAft>
+              <a:spcPct val="35000"/>
+            </a:spcAft>
+            <a:buNone/>
+          </a:pPr>
+          <a:r>
+            <a:rPr lang="en-US" sz="1500" kern="1200"/>
+            <a:t>The decision to cancel may come well before the 11</a:t>
+          </a:r>
+          <a:r>
+            <a:rPr lang="en-US" sz="1500" kern="1200" baseline="30000"/>
+            <a:t>th</a:t>
+          </a:r>
+          <a:r>
+            <a:rPr lang="en-US" sz="1500" kern="1200"/>
+            <a:t> the month, thereby negating benefit of premier status.</a:t>
+          </a:r>
+        </a:p>
+      </dsp:txBody>
+      <dsp:txXfrm>
+        <a:off x="0" y="4827324"/>
+        <a:ext cx="4885203" cy="1056100"/>
+      </dsp:txXfrm>
+    </dsp:sp>
+    <dsp:sp modelId="{E89E3AD4-71FA-449E-A0CB-A1F387819108}">
+      <dsp:nvSpPr>
+        <dsp:cNvPr id="0" name=""/>
+        <dsp:cNvSpPr/>
+      </dsp:nvSpPr>
+      <dsp:spPr>
+        <a:xfrm rot="10800000">
+          <a:off x="0" y="3218883"/>
+          <a:ext cx="4885203" cy="1624282"/>
+        </a:xfrm>
+        <a:prstGeom prst="upArrowCallout">
+          <a:avLst/>
+        </a:prstGeom>
+        <a:solidFill>
+          <a:schemeClr val="accent2">
+            <a:hueOff val="-485121"/>
+            <a:satOff val="-27976"/>
+            <a:lumOff val="2876"/>
+            <a:alphaOff val="0"/>
+          </a:schemeClr>
+        </a:solidFill>
+        <a:ln w="12700" cap="flat" cmpd="sng" algn="ctr">
+          <a:solidFill>
+            <a:schemeClr val="lt1">
+              <a:hueOff val="0"/>
+              <a:satOff val="0"/>
+              <a:lumOff val="0"/>
+              <a:alphaOff val="0"/>
+            </a:schemeClr>
+          </a:solidFill>
+          <a:prstDash val="solid"/>
+          <a:miter lim="800000"/>
+        </a:ln>
+        <a:effectLst/>
+      </dsp:spPr>
+      <dsp:style>
+        <a:lnRef idx="2">
+          <a:scrgbClr r="0" g="0" b="0"/>
+        </a:lnRef>
+        <a:fillRef idx="1">
+          <a:scrgbClr r="0" g="0" b="0"/>
+        </a:fillRef>
+        <a:effectRef idx="0">
+          <a:scrgbClr r="0" g="0" b="0"/>
+        </a:effectRef>
+        <a:fontRef idx="minor">
+          <a:schemeClr val="lt1"/>
+        </a:fontRef>
+      </dsp:style>
+      <dsp:txBody>
+        <a:bodyPr spcFirstLastPara="0" vert="horz" wrap="square" lIns="106680" tIns="106680" rIns="106680" bIns="106680" numCol="1" spcCol="1270" anchor="ctr" anchorCtr="0">
+          <a:noAutofit/>
+        </a:bodyPr>
+        <a:lstStyle/>
+        <a:p>
+          <a:pPr marL="0" lvl="0" indent="0" algn="ctr" defTabSz="666750">
+            <a:lnSpc>
+              <a:spcPct val="90000"/>
+            </a:lnSpc>
+            <a:spcBef>
+              <a:spcPct val="0"/>
+            </a:spcBef>
+            <a:spcAft>
+              <a:spcPct val="35000"/>
+            </a:spcAft>
+            <a:buNone/>
+          </a:pPr>
+          <a:r>
+            <a:rPr lang="en-US" sz="1500" kern="1200"/>
+            <a:t>However, as this data suggests, the Management team may want to review patients who are not losing weight in the first 5 visits and the satisfaction of existing patients.</a:t>
+          </a:r>
+        </a:p>
+      </dsp:txBody>
+      <dsp:txXfrm rot="10800000">
+        <a:off x="0" y="3218883"/>
+        <a:ext cx="4885203" cy="1055410"/>
+      </dsp:txXfrm>
+    </dsp:sp>
+    <dsp:sp modelId="{0DC860F0-0B4B-4496-8110-E0FFF0CD622E}">
+      <dsp:nvSpPr>
+        <dsp:cNvPr id="0" name=""/>
+        <dsp:cNvSpPr/>
+      </dsp:nvSpPr>
+      <dsp:spPr>
+        <a:xfrm rot="10800000">
+          <a:off x="0" y="1610442"/>
+          <a:ext cx="4885203" cy="1624282"/>
+        </a:xfrm>
+        <a:prstGeom prst="upArrowCallout">
+          <a:avLst/>
+        </a:prstGeom>
+        <a:solidFill>
+          <a:schemeClr val="accent2">
+            <a:hueOff val="-970242"/>
+            <a:satOff val="-55952"/>
+            <a:lumOff val="5752"/>
+            <a:alphaOff val="0"/>
+          </a:schemeClr>
+        </a:solidFill>
+        <a:ln w="12700" cap="flat" cmpd="sng" algn="ctr">
+          <a:solidFill>
+            <a:schemeClr val="lt1">
+              <a:hueOff val="0"/>
+              <a:satOff val="0"/>
+              <a:lumOff val="0"/>
+              <a:alphaOff val="0"/>
+            </a:schemeClr>
+          </a:solidFill>
+          <a:prstDash val="solid"/>
+          <a:miter lim="800000"/>
+        </a:ln>
+        <a:effectLst/>
+      </dsp:spPr>
+      <dsp:style>
+        <a:lnRef idx="2">
+          <a:scrgbClr r="0" g="0" b="0"/>
+        </a:lnRef>
+        <a:fillRef idx="1">
+          <a:scrgbClr r="0" g="0" b="0"/>
+        </a:fillRef>
+        <a:effectRef idx="0">
+          <a:scrgbClr r="0" g="0" b="0"/>
+        </a:effectRef>
+        <a:fontRef idx="minor">
+          <a:schemeClr val="lt1"/>
+        </a:fontRef>
+      </dsp:style>
+      <dsp:txBody>
+        <a:bodyPr spcFirstLastPara="0" vert="horz" wrap="square" lIns="106680" tIns="106680" rIns="106680" bIns="106680" numCol="1" spcCol="1270" anchor="ctr" anchorCtr="0">
+          <a:noAutofit/>
+        </a:bodyPr>
+        <a:lstStyle/>
+        <a:p>
+          <a:pPr marL="0" lvl="0" indent="0" algn="ctr" defTabSz="666750">
+            <a:lnSpc>
+              <a:spcPct val="90000"/>
+            </a:lnSpc>
+            <a:spcBef>
+              <a:spcPct val="0"/>
+            </a:spcBef>
+            <a:spcAft>
+              <a:spcPct val="35000"/>
+            </a:spcAft>
+            <a:buNone/>
+          </a:pPr>
+          <a:r>
+            <a:rPr lang="en-US" sz="1500" kern="1200"/>
+            <a:t>The Management Team has developed a “premier” status for subscribers who reach the 13</a:t>
+          </a:r>
+          <a:r>
+            <a:rPr lang="en-US" sz="1500" kern="1200" baseline="30000"/>
+            <a:t>th</a:t>
+          </a:r>
+          <a:r>
+            <a:rPr lang="en-US" sz="1500" kern="1200"/>
+            <a:t> month and continue to month-to-month payments.</a:t>
+          </a:r>
+        </a:p>
+      </dsp:txBody>
+      <dsp:txXfrm rot="10800000">
+        <a:off x="0" y="1610442"/>
+        <a:ext cx="4885203" cy="1055410"/>
+      </dsp:txXfrm>
+    </dsp:sp>
+    <dsp:sp modelId="{3BE5B9FA-7CFD-4F3A-B9B1-B61E2BA40649}">
+      <dsp:nvSpPr>
+        <dsp:cNvPr id="0" name=""/>
+        <dsp:cNvSpPr/>
+      </dsp:nvSpPr>
+      <dsp:spPr>
+        <a:xfrm rot="10800000">
+          <a:off x="0" y="2000"/>
+          <a:ext cx="4885203" cy="1624282"/>
+        </a:xfrm>
+        <a:prstGeom prst="upArrowCallout">
+          <a:avLst/>
+        </a:prstGeom>
+        <a:solidFill>
+          <a:schemeClr val="accent2">
+            <a:hueOff val="-1455363"/>
+            <a:satOff val="-83928"/>
+            <a:lumOff val="8628"/>
+            <a:alphaOff val="0"/>
+          </a:schemeClr>
+        </a:solidFill>
+        <a:ln w="12700" cap="flat" cmpd="sng" algn="ctr">
+          <a:solidFill>
+            <a:schemeClr val="lt1">
+              <a:hueOff val="0"/>
+              <a:satOff val="0"/>
+              <a:lumOff val="0"/>
+              <a:alphaOff val="0"/>
+            </a:schemeClr>
+          </a:solidFill>
+          <a:prstDash val="solid"/>
+          <a:miter lim="800000"/>
+        </a:ln>
+        <a:effectLst/>
+      </dsp:spPr>
+      <dsp:style>
+        <a:lnRef idx="2">
+          <a:scrgbClr r="0" g="0" b="0"/>
+        </a:lnRef>
+        <a:fillRef idx="1">
+          <a:scrgbClr r="0" g="0" b="0"/>
+        </a:fillRef>
+        <a:effectRef idx="0">
+          <a:scrgbClr r="0" g="0" b="0"/>
+        </a:effectRef>
+        <a:fontRef idx="minor">
+          <a:schemeClr val="lt1"/>
+        </a:fontRef>
+      </dsp:style>
+      <dsp:txBody>
+        <a:bodyPr spcFirstLastPara="0" vert="horz" wrap="square" lIns="106680" tIns="106680" rIns="106680" bIns="106680" numCol="1" spcCol="1270" anchor="ctr" anchorCtr="0">
+          <a:noAutofit/>
+        </a:bodyPr>
+        <a:lstStyle/>
+        <a:p>
+          <a:pPr marL="0" lvl="0" indent="0" algn="ctr" defTabSz="666750">
+            <a:lnSpc>
+              <a:spcPct val="90000"/>
+            </a:lnSpc>
+            <a:spcBef>
+              <a:spcPct val="0"/>
+            </a:spcBef>
+            <a:spcAft>
+              <a:spcPct val="35000"/>
+            </a:spcAft>
+            <a:buNone/>
+          </a:pPr>
+          <a:r>
+            <a:rPr lang="en-US" sz="1500" kern="1200"/>
+            <a:t>There is a strong correlation between number of visits, weight loss, and churn. </a:t>
+          </a:r>
+        </a:p>
+      </dsp:txBody>
+      <dsp:txXfrm rot="10800000">
+        <a:off x="0" y="2000"/>
+        <a:ext cx="4885203" cy="1055410"/>
       </dsp:txXfrm>
     </dsp:sp>
   </dsp:spTree>
@@ -23779,6 +25163,359 @@
 </dgm:layoutDef>
 </file>
 
+<file path=ppt/diagrams/layout14.xml><?xml version="1.0" encoding="utf-8"?>
+<dgm:layoutDef xmlns:dgm="http://schemas.openxmlformats.org/drawingml/2006/diagram" xmlns:a="http://schemas.openxmlformats.org/drawingml/2006/main" uniqueId="urn:microsoft.com/office/officeart/2005/8/layout/process4">
+  <dgm:title val=""/>
+  <dgm:desc val=""/>
+  <dgm:catLst>
+    <dgm:cat type="process" pri="16000"/>
+    <dgm:cat type="list" pri="20000"/>
+  </dgm:catLst>
+  <dgm:sampData>
+    <dgm:dataModel>
+      <dgm:ptLst>
+        <dgm:pt modelId="0" type="doc"/>
+        <dgm:pt modelId="1">
+          <dgm:prSet phldr="1"/>
+        </dgm:pt>
+        <dgm:pt modelId="11">
+          <dgm:prSet phldr="1"/>
+        </dgm:pt>
+        <dgm:pt modelId="12">
+          <dgm:prSet phldr="1"/>
+        </dgm:pt>
+        <dgm:pt modelId="2">
+          <dgm:prSet phldr="1"/>
+        </dgm:pt>
+        <dgm:pt modelId="21">
+          <dgm:prSet phldr="1"/>
+        </dgm:pt>
+        <dgm:pt modelId="22">
+          <dgm:prSet phldr="1"/>
+        </dgm:pt>
+        <dgm:pt modelId="3">
+          <dgm:prSet phldr="1"/>
+        </dgm:pt>
+        <dgm:pt modelId="31">
+          <dgm:prSet phldr="1"/>
+        </dgm:pt>
+        <dgm:pt modelId="32">
+          <dgm:prSet phldr="1"/>
+        </dgm:pt>
+      </dgm:ptLst>
+      <dgm:cxnLst>
+        <dgm:cxn modelId="4" srcId="0" destId="1" srcOrd="0" destOrd="0"/>
+        <dgm:cxn modelId="5" srcId="0" destId="2" srcOrd="1" destOrd="0"/>
+        <dgm:cxn modelId="6" srcId="0" destId="3" srcOrd="2" destOrd="0"/>
+        <dgm:cxn modelId="13" srcId="1" destId="11" srcOrd="0" destOrd="0"/>
+        <dgm:cxn modelId="14" srcId="1" destId="12" srcOrd="1" destOrd="0"/>
+        <dgm:cxn modelId="23" srcId="2" destId="21" srcOrd="0" destOrd="0"/>
+        <dgm:cxn modelId="24" srcId="2" destId="22" srcOrd="1" destOrd="0"/>
+        <dgm:cxn modelId="33" srcId="3" destId="31" srcOrd="0" destOrd="0"/>
+        <dgm:cxn modelId="34" srcId="3" destId="32" srcOrd="1" destOrd="0"/>
+      </dgm:cxnLst>
+      <dgm:bg/>
+      <dgm:whole/>
+    </dgm:dataModel>
+  </dgm:sampData>
+  <dgm:styleData>
+    <dgm:dataModel>
+      <dgm:ptLst>
+        <dgm:pt modelId="0" type="doc"/>
+        <dgm:pt modelId="1"/>
+        <dgm:pt modelId="11"/>
+        <dgm:pt modelId="2"/>
+        <dgm:pt modelId="21"/>
+      </dgm:ptLst>
+      <dgm:cxnLst>
+        <dgm:cxn modelId="4" srcId="0" destId="1" srcOrd="0" destOrd="0"/>
+        <dgm:cxn modelId="5" srcId="0" destId="2" srcOrd="1" destOrd="0"/>
+        <dgm:cxn modelId="13" srcId="1" destId="11" srcOrd="0" destOrd="0"/>
+        <dgm:cxn modelId="23" srcId="2" destId="21" srcOrd="0" destOrd="0"/>
+      </dgm:cxnLst>
+      <dgm:bg/>
+      <dgm:whole/>
+    </dgm:dataModel>
+  </dgm:styleData>
+  <dgm:clrData>
+    <dgm:dataModel>
+      <dgm:ptLst>
+        <dgm:pt modelId="0" type="doc"/>
+        <dgm:pt modelId="1"/>
+        <dgm:pt modelId="11"/>
+        <dgm:pt modelId="2"/>
+        <dgm:pt modelId="21"/>
+        <dgm:pt modelId="3"/>
+        <dgm:pt modelId="31"/>
+        <dgm:pt modelId="4"/>
+        <dgm:pt modelId="41"/>
+      </dgm:ptLst>
+      <dgm:cxnLst>
+        <dgm:cxn modelId="5" srcId="0" destId="1" srcOrd="0" destOrd="0"/>
+        <dgm:cxn modelId="6" srcId="0" destId="2" srcOrd="1" destOrd="0"/>
+        <dgm:cxn modelId="7" srcId="0" destId="3" srcOrd="2" destOrd="0"/>
+        <dgm:cxn modelId="8" srcId="0" destId="4" srcOrd="3" destOrd="0"/>
+        <dgm:cxn modelId="13" srcId="1" destId="11" srcOrd="0" destOrd="0"/>
+        <dgm:cxn modelId="23" srcId="2" destId="21" srcOrd="0" destOrd="0"/>
+        <dgm:cxn modelId="33" srcId="3" destId="31" srcOrd="0" destOrd="0"/>
+        <dgm:cxn modelId="43" srcId="4" destId="41" srcOrd="0" destOrd="0"/>
+      </dgm:cxnLst>
+      <dgm:bg/>
+      <dgm:whole/>
+    </dgm:dataModel>
+  </dgm:clrData>
+  <dgm:layoutNode name="Name0">
+    <dgm:varLst>
+      <dgm:dir/>
+      <dgm:animLvl val="lvl"/>
+      <dgm:resizeHandles val="exact"/>
+    </dgm:varLst>
+    <dgm:alg type="lin">
+      <dgm:param type="linDir" val="fromB"/>
+    </dgm:alg>
+    <dgm:shape xmlns:r="http://schemas.openxmlformats.org/officeDocument/2006/relationships" r:blip="">
+      <dgm:adjLst/>
+    </dgm:shape>
+    <dgm:presOf/>
+    <dgm:constrLst>
+      <dgm:constr type="h" for="ch" forName="boxAndChildren" refType="h"/>
+      <dgm:constr type="h" for="ch" forName="arrowAndChildren" refType="h" refFor="ch" refForName="boxAndChildren" op="equ" fact="1.538"/>
+      <dgm:constr type="w" for="ch" forName="arrowAndChildren" refType="w"/>
+      <dgm:constr type="w" for="ch" forName="boxAndChildren" refType="w"/>
+      <dgm:constr type="h" for="ch" forName="sp" refType="h" fact="-0.015"/>
+      <dgm:constr type="primFontSz" for="des" forName="parentTextBox" val="65"/>
+      <dgm:constr type="primFontSz" for="des" forName="parentTextArrow" refType="primFontSz" refFor="des" refForName="parentTextBox" op="equ"/>
+      <dgm:constr type="primFontSz" for="des" forName="childTextArrow" val="65"/>
+      <dgm:constr type="primFontSz" for="des" forName="childTextBox" refType="primFontSz" refFor="des" refForName="childTextArrow" op="equ"/>
+    </dgm:constrLst>
+    <dgm:ruleLst/>
+    <dgm:forEach name="Name1" axis="ch" ptType="node" st="-1" step="-1">
+      <dgm:choose name="Name2">
+        <dgm:if name="Name3" axis="self" ptType="node" func="revPos" op="equ" val="1">
+          <dgm:layoutNode name="boxAndChildren">
+            <dgm:alg type="composite"/>
+            <dgm:shape xmlns:r="http://schemas.openxmlformats.org/officeDocument/2006/relationships" r:blip="">
+              <dgm:adjLst/>
+            </dgm:shape>
+            <dgm:presOf/>
+            <dgm:choose name="Name4">
+              <dgm:if name="Name5" axis="ch" ptType="node" func="cnt" op="gte" val="1">
+                <dgm:constrLst>
+                  <dgm:constr type="w" for="ch" forName="parentTextBox" refType="w"/>
+                  <dgm:constr type="h" for="ch" forName="parentTextBox" refType="h" fact="0.54"/>
+                  <dgm:constr type="t" for="ch" forName="parentTextBox"/>
+                  <dgm:constr type="w" for="ch" forName="entireBox" refType="w"/>
+                  <dgm:constr type="h" for="ch" forName="entireBox" refType="h"/>
+                  <dgm:constr type="w" for="ch" forName="descendantBox" refType="w"/>
+                  <dgm:constr type="b" for="ch" forName="descendantBox" refType="h" fact="0.98"/>
+                  <dgm:constr type="h" for="ch" forName="descendantBox" refType="h" fact="0.46"/>
+                </dgm:constrLst>
+              </dgm:if>
+              <dgm:else name="Name6">
+                <dgm:constrLst>
+                  <dgm:constr type="w" for="ch" forName="parentTextBox" refType="w"/>
+                  <dgm:constr type="h" for="ch" forName="parentTextBox" refType="h"/>
+                </dgm:constrLst>
+              </dgm:else>
+            </dgm:choose>
+            <dgm:ruleLst/>
+            <dgm:layoutNode name="parentTextBox">
+              <dgm:alg type="tx"/>
+              <dgm:choose name="Name7">
+                <dgm:if name="Name8" axis="ch" ptType="node" func="cnt" op="gte" val="1">
+                  <dgm:shape xmlns:r="http://schemas.openxmlformats.org/officeDocument/2006/relationships" type="rect" r:blip="" zOrderOff="1" hideGeom="1">
+                    <dgm:adjLst/>
+                  </dgm:shape>
+                </dgm:if>
+                <dgm:else name="Name9">
+                  <dgm:shape xmlns:r="http://schemas.openxmlformats.org/officeDocument/2006/relationships" type="rect" r:blip="">
+                    <dgm:adjLst/>
+                  </dgm:shape>
+                </dgm:else>
+              </dgm:choose>
+              <dgm:presOf axis="self"/>
+              <dgm:constrLst/>
+              <dgm:ruleLst>
+                <dgm:rule type="primFontSz" val="5" fact="NaN" max="NaN"/>
+              </dgm:ruleLst>
+            </dgm:layoutNode>
+            <dgm:choose name="Name10">
+              <dgm:if name="Name11" axis="ch" ptType="node" func="cnt" op="gte" val="1">
+                <dgm:layoutNode name="entireBox">
+                  <dgm:alg type="sp"/>
+                  <dgm:shape xmlns:r="http://schemas.openxmlformats.org/officeDocument/2006/relationships" type="rect" r:blip="">
+                    <dgm:adjLst/>
+                  </dgm:shape>
+                  <dgm:presOf axis="self"/>
+                  <dgm:constrLst/>
+                  <dgm:ruleLst/>
+                </dgm:layoutNode>
+                <dgm:layoutNode name="descendantBox" styleLbl="fgAccFollowNode1">
+                  <dgm:choose name="Name12">
+                    <dgm:if name="Name13" func="var" arg="dir" op="equ" val="norm">
+                      <dgm:alg type="lin"/>
+                    </dgm:if>
+                    <dgm:else name="Name14">
+                      <dgm:alg type="lin">
+                        <dgm:param type="linDir" val="fromR"/>
+                      </dgm:alg>
+                    </dgm:else>
+                  </dgm:choose>
+                  <dgm:shape xmlns:r="http://schemas.openxmlformats.org/officeDocument/2006/relationships" r:blip="">
+                    <dgm:adjLst/>
+                  </dgm:shape>
+                  <dgm:presOf/>
+                  <dgm:constrLst>
+                    <dgm:constr type="w" for="ch" forName="childTextBox" refType="w"/>
+                    <dgm:constr type="h" for="ch" forName="childTextBox" refType="h"/>
+                  </dgm:constrLst>
+                  <dgm:ruleLst/>
+                  <dgm:forEach name="Name15" axis="ch" ptType="node">
+                    <dgm:layoutNode name="childTextBox" styleLbl="fgAccFollowNode1">
+                      <dgm:varLst>
+                        <dgm:bulletEnabled val="1"/>
+                      </dgm:varLst>
+                      <dgm:alg type="tx"/>
+                      <dgm:shape xmlns:r="http://schemas.openxmlformats.org/officeDocument/2006/relationships" type="rect" r:blip="">
+                        <dgm:adjLst/>
+                      </dgm:shape>
+                      <dgm:presOf axis="desOrSelf" ptType="node"/>
+                      <dgm:constrLst>
+                        <dgm:constr type="tMarg" refType="primFontSz" fact="0.1"/>
+                        <dgm:constr type="bMarg" refType="primFontSz" fact="0.1"/>
+                      </dgm:constrLst>
+                      <dgm:ruleLst>
+                        <dgm:rule type="primFontSz" val="5" fact="NaN" max="NaN"/>
+                      </dgm:ruleLst>
+                    </dgm:layoutNode>
+                  </dgm:forEach>
+                </dgm:layoutNode>
+              </dgm:if>
+              <dgm:else name="Name16"/>
+            </dgm:choose>
+          </dgm:layoutNode>
+        </dgm:if>
+        <dgm:else name="Name17">
+          <dgm:layoutNode name="arrowAndChildren">
+            <dgm:alg type="composite"/>
+            <dgm:shape xmlns:r="http://schemas.openxmlformats.org/officeDocument/2006/relationships" r:blip="">
+              <dgm:adjLst/>
+            </dgm:shape>
+            <dgm:presOf/>
+            <dgm:choose name="Name18">
+              <dgm:if name="Name19" axis="ch" ptType="node" func="cnt" op="gte" val="1">
+                <dgm:constrLst>
+                  <dgm:constr type="w" for="ch" forName="parentTextArrow" refType="w"/>
+                  <dgm:constr type="t" for="ch" forName="parentTextArrow"/>
+                  <dgm:constr type="h" for="ch" forName="parentTextArrow" refType="h" fact="0.351"/>
+                  <dgm:constr type="w" for="ch" forName="arrow" refType="w"/>
+                  <dgm:constr type="h" for="ch" forName="arrow" refType="h"/>
+                  <dgm:constr type="w" for="ch" forName="descendantArrow" refType="w"/>
+                  <dgm:constr type="b" for="ch" forName="descendantArrow" refType="h" fact="0.65"/>
+                  <dgm:constr type="h" for="ch" forName="descendantArrow" refType="h" fact="0.299"/>
+                </dgm:constrLst>
+              </dgm:if>
+              <dgm:else name="Name20">
+                <dgm:constrLst>
+                  <dgm:constr type="w" for="ch" forName="parentTextArrow" refType="w"/>
+                  <dgm:constr type="h" for="ch" forName="parentTextArrow" refType="h"/>
+                </dgm:constrLst>
+              </dgm:else>
+            </dgm:choose>
+            <dgm:ruleLst/>
+            <dgm:layoutNode name="parentTextArrow">
+              <dgm:alg type="tx"/>
+              <dgm:choose name="Name21">
+                <dgm:if name="Name22" axis="ch" ptType="node" func="cnt" op="gte" val="1">
+                  <dgm:shape xmlns:r="http://schemas.openxmlformats.org/officeDocument/2006/relationships" type="rect" r:blip="" zOrderOff="1" hideGeom="1">
+                    <dgm:adjLst/>
+                  </dgm:shape>
+                </dgm:if>
+                <dgm:else name="Name23">
+                  <dgm:shape xmlns:r="http://schemas.openxmlformats.org/officeDocument/2006/relationships" rot="180" type="upArrowCallout" r:blip="">
+                    <dgm:adjLst/>
+                  </dgm:shape>
+                </dgm:else>
+              </dgm:choose>
+              <dgm:presOf axis="self"/>
+              <dgm:constrLst/>
+              <dgm:ruleLst>
+                <dgm:rule type="primFontSz" val="5" fact="NaN" max="NaN"/>
+              </dgm:ruleLst>
+            </dgm:layoutNode>
+            <dgm:choose name="Name24">
+              <dgm:if name="Name25" axis="ch" ptType="node" func="cnt" op="gte" val="1">
+                <dgm:layoutNode name="arrow">
+                  <dgm:alg type="sp"/>
+                  <dgm:shape xmlns:r="http://schemas.openxmlformats.org/officeDocument/2006/relationships" rot="180" type="upArrowCallout" r:blip="">
+                    <dgm:adjLst/>
+                  </dgm:shape>
+                  <dgm:presOf axis="self"/>
+                  <dgm:constrLst/>
+                  <dgm:ruleLst/>
+                </dgm:layoutNode>
+                <dgm:layoutNode name="descendantArrow">
+                  <dgm:choose name="Name26">
+                    <dgm:if name="Name27" func="var" arg="dir" op="equ" val="norm">
+                      <dgm:alg type="lin"/>
+                    </dgm:if>
+                    <dgm:else name="Name28">
+                      <dgm:alg type="lin">
+                        <dgm:param type="linDir" val="fromR"/>
+                      </dgm:alg>
+                    </dgm:else>
+                  </dgm:choose>
+                  <dgm:shape xmlns:r="http://schemas.openxmlformats.org/officeDocument/2006/relationships" r:blip="">
+                    <dgm:adjLst/>
+                  </dgm:shape>
+                  <dgm:presOf/>
+                  <dgm:constrLst>
+                    <dgm:constr type="w" for="ch" forName="childTextArrow" refType="w"/>
+                    <dgm:constr type="h" for="ch" forName="childTextArrow" refType="h"/>
+                  </dgm:constrLst>
+                  <dgm:ruleLst/>
+                  <dgm:forEach name="Name29" axis="ch" ptType="node">
+                    <dgm:layoutNode name="childTextArrow" styleLbl="fgAccFollowNode1">
+                      <dgm:varLst>
+                        <dgm:bulletEnabled val="1"/>
+                      </dgm:varLst>
+                      <dgm:alg type="tx"/>
+                      <dgm:shape xmlns:r="http://schemas.openxmlformats.org/officeDocument/2006/relationships" type="rect" r:blip="">
+                        <dgm:adjLst/>
+                      </dgm:shape>
+                      <dgm:presOf axis="desOrSelf" ptType="node"/>
+                      <dgm:constrLst>
+                        <dgm:constr type="tMarg" refType="primFontSz" fact="0.1"/>
+                        <dgm:constr type="bMarg" refType="primFontSz" fact="0.1"/>
+                      </dgm:constrLst>
+                      <dgm:ruleLst>
+                        <dgm:rule type="primFontSz" val="5" fact="NaN" max="NaN"/>
+                      </dgm:ruleLst>
+                    </dgm:layoutNode>
+                  </dgm:forEach>
+                </dgm:layoutNode>
+              </dgm:if>
+              <dgm:else name="Name30"/>
+            </dgm:choose>
+          </dgm:layoutNode>
+        </dgm:else>
+      </dgm:choose>
+      <dgm:forEach name="Name31" axis="precedSib" ptType="sibTrans" st="-1" cnt="1">
+        <dgm:layoutNode name="sp">
+          <dgm:alg type="sp"/>
+          <dgm:shape xmlns:r="http://schemas.openxmlformats.org/officeDocument/2006/relationships" r:blip="">
+            <dgm:adjLst/>
+          </dgm:shape>
+          <dgm:presOf axis="self"/>
+          <dgm:constrLst/>
+          <dgm:ruleLst/>
+        </dgm:layoutNode>
+      </dgm:forEach>
+    </dgm:forEach>
+  </dgm:layoutNode>
+</dgm:layoutDef>
+</file>
+
 <file path=ppt/diagrams/layout2.xml><?xml version="1.0" encoding="utf-8"?>
 <dgm:layoutDef xmlns:dgm="http://schemas.openxmlformats.org/drawingml/2006/diagram" xmlns:a="http://schemas.openxmlformats.org/drawingml/2006/main" uniqueId="urn:microsoft.com/office/officeart/2018/5/layout/IconLeafLabelList">
   <dgm:title val="Icon Leaf Label List"/>
@@ -30828,6 +32565,1040 @@
 </dgm:styleDef>
 </file>
 
+<file path=ppt/diagrams/quickStyle14.xml><?xml version="1.0" encoding="utf-8"?>
+<dgm:styleDef xmlns:dgm="http://schemas.openxmlformats.org/drawingml/2006/diagram" xmlns:a="http://schemas.openxmlformats.org/drawingml/2006/main" uniqueId="urn:microsoft.com/office/officeart/2005/8/quickstyle/simple1">
+  <dgm:title val=""/>
+  <dgm:desc val=""/>
+  <dgm:catLst>
+    <dgm:cat type="simple" pri="10100"/>
+  </dgm:catLst>
+  <dgm:scene3d>
+    <a:camera prst="orthographicFront"/>
+    <a:lightRig rig="threePt" dir="t"/>
+  </dgm:scene3d>
+  <dgm:styleLbl name="node0">
+    <dgm:scene3d>
+      <a:camera prst="orthographicFront"/>
+      <a:lightRig rig="threePt" dir="t"/>
+    </dgm:scene3d>
+    <dgm:sp3d/>
+    <dgm:txPr/>
+    <dgm:style>
+      <a:lnRef idx="2">
+        <a:scrgbClr r="0" g="0" b="0"/>
+      </a:lnRef>
+      <a:fillRef idx="1">
+        <a:scrgbClr r="0" g="0" b="0"/>
+      </a:fillRef>
+      <a:effectRef idx="0">
+        <a:scrgbClr r="0" g="0" b="0"/>
+      </a:effectRef>
+      <a:fontRef idx="minor">
+        <a:schemeClr val="lt1"/>
+      </a:fontRef>
+    </dgm:style>
+  </dgm:styleLbl>
+  <dgm:styleLbl name="lnNode1">
+    <dgm:scene3d>
+      <a:camera prst="orthographicFront"/>
+      <a:lightRig rig="threePt" dir="t"/>
+    </dgm:scene3d>
+    <dgm:sp3d/>
+    <dgm:txPr/>
+    <dgm:style>
+      <a:lnRef idx="2">
+        <a:scrgbClr r="0" g="0" b="0"/>
+      </a:lnRef>
+      <a:fillRef idx="1">
+        <a:scrgbClr r="0" g="0" b="0"/>
+      </a:fillRef>
+      <a:effectRef idx="0">
+        <a:scrgbClr r="0" g="0" b="0"/>
+      </a:effectRef>
+      <a:fontRef idx="minor">
+        <a:schemeClr val="lt1"/>
+      </a:fontRef>
+    </dgm:style>
+  </dgm:styleLbl>
+  <dgm:styleLbl name="vennNode1">
+    <dgm:scene3d>
+      <a:camera prst="orthographicFront"/>
+      <a:lightRig rig="threePt" dir="t"/>
+    </dgm:scene3d>
+    <dgm:sp3d/>
+    <dgm:txPr/>
+    <dgm:style>
+      <a:lnRef idx="2">
+        <a:scrgbClr r="0" g="0" b="0"/>
+      </a:lnRef>
+      <a:fillRef idx="1">
+        <a:scrgbClr r="0" g="0" b="0"/>
+      </a:fillRef>
+      <a:effectRef idx="0">
+        <a:scrgbClr r="0" g="0" b="0"/>
+      </a:effectRef>
+      <a:fontRef idx="minor">
+        <a:schemeClr val="tx1"/>
+      </a:fontRef>
+    </dgm:style>
+  </dgm:styleLbl>
+  <dgm:styleLbl name="alignNode1">
+    <dgm:scene3d>
+      <a:camera prst="orthographicFront"/>
+      <a:lightRig rig="threePt" dir="t"/>
+    </dgm:scene3d>
+    <dgm:sp3d/>
+    <dgm:txPr/>
+    <dgm:style>
+      <a:lnRef idx="2">
+        <a:scrgbClr r="0" g="0" b="0"/>
+      </a:lnRef>
+      <a:fillRef idx="1">
+        <a:scrgbClr r="0" g="0" b="0"/>
+      </a:fillRef>
+      <a:effectRef idx="0">
+        <a:scrgbClr r="0" g="0" b="0"/>
+      </a:effectRef>
+      <a:fontRef idx="minor">
+        <a:schemeClr val="lt1"/>
+      </a:fontRef>
+    </dgm:style>
+  </dgm:styleLbl>
+  <dgm:styleLbl name="node1">
+    <dgm:scene3d>
+      <a:camera prst="orthographicFront"/>
+      <a:lightRig rig="threePt" dir="t"/>
+    </dgm:scene3d>
+    <dgm:sp3d/>
+    <dgm:txPr/>
+    <dgm:style>
+      <a:lnRef idx="2">
+        <a:scrgbClr r="0" g="0" b="0"/>
+      </a:lnRef>
+      <a:fillRef idx="1">
+        <a:scrgbClr r="0" g="0" b="0"/>
+      </a:fillRef>
+      <a:effectRef idx="0">
+        <a:scrgbClr r="0" g="0" b="0"/>
+      </a:effectRef>
+      <a:fontRef idx="minor">
+        <a:schemeClr val="lt1"/>
+      </a:fontRef>
+    </dgm:style>
+  </dgm:styleLbl>
+  <dgm:styleLbl name="node2">
+    <dgm:scene3d>
+      <a:camera prst="orthographicFront"/>
+      <a:lightRig rig="threePt" dir="t"/>
+    </dgm:scene3d>
+    <dgm:sp3d/>
+    <dgm:txPr/>
+    <dgm:style>
+      <a:lnRef idx="2">
+        <a:scrgbClr r="0" g="0" b="0"/>
+      </a:lnRef>
+      <a:fillRef idx="1">
+        <a:scrgbClr r="0" g="0" b="0"/>
+      </a:fillRef>
+      <a:effectRef idx="0">
+        <a:scrgbClr r="0" g="0" b="0"/>
+      </a:effectRef>
+      <a:fontRef idx="minor">
+        <a:schemeClr val="lt1"/>
+      </a:fontRef>
+    </dgm:style>
+  </dgm:styleLbl>
+  <dgm:styleLbl name="node3">
+    <dgm:scene3d>
+      <a:camera prst="orthographicFront"/>
+      <a:lightRig rig="threePt" dir="t"/>
+    </dgm:scene3d>
+    <dgm:sp3d/>
+    <dgm:txPr/>
+    <dgm:style>
+      <a:lnRef idx="2">
+        <a:scrgbClr r="0" g="0" b="0"/>
+      </a:lnRef>
+      <a:fillRef idx="1">
+        <a:scrgbClr r="0" g="0" b="0"/>
+      </a:fillRef>
+      <a:effectRef idx="0">
+        <a:scrgbClr r="0" g="0" b="0"/>
+      </a:effectRef>
+      <a:fontRef idx="minor">
+        <a:schemeClr val="lt1"/>
+      </a:fontRef>
+    </dgm:style>
+  </dgm:styleLbl>
+  <dgm:styleLbl name="node4">
+    <dgm:scene3d>
+      <a:camera prst="orthographicFront"/>
+      <a:lightRig rig="threePt" dir="t"/>
+    </dgm:scene3d>
+    <dgm:sp3d/>
+    <dgm:txPr/>
+    <dgm:style>
+      <a:lnRef idx="2">
+        <a:scrgbClr r="0" g="0" b="0"/>
+      </a:lnRef>
+      <a:fillRef idx="1">
+        <a:scrgbClr r="0" g="0" b="0"/>
+      </a:fillRef>
+      <a:effectRef idx="0">
+        <a:scrgbClr r="0" g="0" b="0"/>
+      </a:effectRef>
+      <a:fontRef idx="minor">
+        <a:schemeClr val="lt1"/>
+      </a:fontRef>
+    </dgm:style>
+  </dgm:styleLbl>
+  <dgm:styleLbl name="fgImgPlace1">
+    <dgm:scene3d>
+      <a:camera prst="orthographicFront"/>
+      <a:lightRig rig="threePt" dir="t"/>
+    </dgm:scene3d>
+    <dgm:sp3d/>
+    <dgm:txPr/>
+    <dgm:style>
+      <a:lnRef idx="2">
+        <a:scrgbClr r="0" g="0" b="0"/>
+      </a:lnRef>
+      <a:fillRef idx="1">
+        <a:scrgbClr r="0" g="0" b="0"/>
+      </a:fillRef>
+      <a:effectRef idx="0">
+        <a:scrgbClr r="0" g="0" b="0"/>
+      </a:effectRef>
+      <a:fontRef idx="minor"/>
+    </dgm:style>
+  </dgm:styleLbl>
+  <dgm:styleLbl name="alignImgPlace1">
+    <dgm:scene3d>
+      <a:camera prst="orthographicFront"/>
+      <a:lightRig rig="threePt" dir="t"/>
+    </dgm:scene3d>
+    <dgm:sp3d/>
+    <dgm:txPr/>
+    <dgm:style>
+      <a:lnRef idx="2">
+        <a:scrgbClr r="0" g="0" b="0"/>
+      </a:lnRef>
+      <a:fillRef idx="1">
+        <a:scrgbClr r="0" g="0" b="0"/>
+      </a:fillRef>
+      <a:effectRef idx="0">
+        <a:scrgbClr r="0" g="0" b="0"/>
+      </a:effectRef>
+      <a:fontRef idx="minor"/>
+    </dgm:style>
+  </dgm:styleLbl>
+  <dgm:styleLbl name="bgImgPlace1">
+    <dgm:scene3d>
+      <a:camera prst="orthographicFront"/>
+      <a:lightRig rig="threePt" dir="t"/>
+    </dgm:scene3d>
+    <dgm:sp3d/>
+    <dgm:txPr/>
+    <dgm:style>
+      <a:lnRef idx="2">
+        <a:scrgbClr r="0" g="0" b="0"/>
+      </a:lnRef>
+      <a:fillRef idx="1">
+        <a:scrgbClr r="0" g="0" b="0"/>
+      </a:fillRef>
+      <a:effectRef idx="0">
+        <a:scrgbClr r="0" g="0" b="0"/>
+      </a:effectRef>
+      <a:fontRef idx="minor"/>
+    </dgm:style>
+  </dgm:styleLbl>
+  <dgm:styleLbl name="sibTrans2D1">
+    <dgm:scene3d>
+      <a:camera prst="orthographicFront"/>
+      <a:lightRig rig="threePt" dir="t"/>
+    </dgm:scene3d>
+    <dgm:sp3d/>
+    <dgm:txPr/>
+    <dgm:style>
+      <a:lnRef idx="0">
+        <a:scrgbClr r="0" g="0" b="0"/>
+      </a:lnRef>
+      <a:fillRef idx="1">
+        <a:scrgbClr r="0" g="0" b="0"/>
+      </a:fillRef>
+      <a:effectRef idx="0">
+        <a:scrgbClr r="0" g="0" b="0"/>
+      </a:effectRef>
+      <a:fontRef idx="minor">
+        <a:schemeClr val="lt1"/>
+      </a:fontRef>
+    </dgm:style>
+  </dgm:styleLbl>
+  <dgm:styleLbl name="fgSibTrans2D1">
+    <dgm:scene3d>
+      <a:camera prst="orthographicFront"/>
+      <a:lightRig rig="threePt" dir="t"/>
+    </dgm:scene3d>
+    <dgm:sp3d/>
+    <dgm:txPr/>
+    <dgm:style>
+      <a:lnRef idx="0">
+        <a:scrgbClr r="0" g="0" b="0"/>
+      </a:lnRef>
+      <a:fillRef idx="1">
+        <a:scrgbClr r="0" g="0" b="0"/>
+      </a:fillRef>
+      <a:effectRef idx="0">
+        <a:scrgbClr r="0" g="0" b="0"/>
+      </a:effectRef>
+      <a:fontRef idx="minor">
+        <a:schemeClr val="lt1"/>
+      </a:fontRef>
+    </dgm:style>
+  </dgm:styleLbl>
+  <dgm:styleLbl name="bgSibTrans2D1">
+    <dgm:scene3d>
+      <a:camera prst="orthographicFront"/>
+      <a:lightRig rig="threePt" dir="t"/>
+    </dgm:scene3d>
+    <dgm:sp3d/>
+    <dgm:txPr/>
+    <dgm:style>
+      <a:lnRef idx="0">
+        <a:scrgbClr r="0" g="0" b="0"/>
+      </a:lnRef>
+      <a:fillRef idx="1">
+        <a:scrgbClr r="0" g="0" b="0"/>
+      </a:fillRef>
+      <a:effectRef idx="0">
+        <a:scrgbClr r="0" g="0" b="0"/>
+      </a:effectRef>
+      <a:fontRef idx="minor">
+        <a:schemeClr val="lt1"/>
+      </a:fontRef>
+    </dgm:style>
+  </dgm:styleLbl>
+  <dgm:styleLbl name="sibTrans1D1">
+    <dgm:scene3d>
+      <a:camera prst="orthographicFront"/>
+      <a:lightRig rig="threePt" dir="t"/>
+    </dgm:scene3d>
+    <dgm:sp3d/>
+    <dgm:txPr/>
+    <dgm:style>
+      <a:lnRef idx="1">
+        <a:scrgbClr r="0" g="0" b="0"/>
+      </a:lnRef>
+      <a:fillRef idx="0">
+        <a:scrgbClr r="0" g="0" b="0"/>
+      </a:fillRef>
+      <a:effectRef idx="0">
+        <a:scrgbClr r="0" g="0" b="0"/>
+      </a:effectRef>
+      <a:fontRef idx="minor"/>
+    </dgm:style>
+  </dgm:styleLbl>
+  <dgm:styleLbl name="callout">
+    <dgm:scene3d>
+      <a:camera prst="orthographicFront"/>
+      <a:lightRig rig="threePt" dir="t"/>
+    </dgm:scene3d>
+    <dgm:sp3d/>
+    <dgm:txPr/>
+    <dgm:style>
+      <a:lnRef idx="2">
+        <a:scrgbClr r="0" g="0" b="0"/>
+      </a:lnRef>
+      <a:fillRef idx="1">
+        <a:scrgbClr r="0" g="0" b="0"/>
+      </a:fillRef>
+      <a:effectRef idx="0">
+        <a:scrgbClr r="0" g="0" b="0"/>
+      </a:effectRef>
+      <a:fontRef idx="minor"/>
+    </dgm:style>
+  </dgm:styleLbl>
+  <dgm:styleLbl name="asst0">
+    <dgm:scene3d>
+      <a:camera prst="orthographicFront"/>
+      <a:lightRig rig="threePt" dir="t"/>
+    </dgm:scene3d>
+    <dgm:sp3d/>
+    <dgm:txPr/>
+    <dgm:style>
+      <a:lnRef idx="2">
+        <a:scrgbClr r="0" g="0" b="0"/>
+      </a:lnRef>
+      <a:fillRef idx="1">
+        <a:scrgbClr r="0" g="0" b="0"/>
+      </a:fillRef>
+      <a:effectRef idx="0">
+        <a:scrgbClr r="0" g="0" b="0"/>
+      </a:effectRef>
+      <a:fontRef idx="minor">
+        <a:schemeClr val="lt1"/>
+      </a:fontRef>
+    </dgm:style>
+  </dgm:styleLbl>
+  <dgm:styleLbl name="asst1">
+    <dgm:scene3d>
+      <a:camera prst="orthographicFront"/>
+      <a:lightRig rig="threePt" dir="t"/>
+    </dgm:scene3d>
+    <dgm:sp3d/>
+    <dgm:txPr/>
+    <dgm:style>
+      <a:lnRef idx="2">
+        <a:scrgbClr r="0" g="0" b="0"/>
+      </a:lnRef>
+      <a:fillRef idx="1">
+        <a:scrgbClr r="0" g="0" b="0"/>
+      </a:fillRef>
+      <a:effectRef idx="0">
+        <a:scrgbClr r="0" g="0" b="0"/>
+      </a:effectRef>
+      <a:fontRef idx="minor">
+        <a:schemeClr val="lt1"/>
+      </a:fontRef>
+    </dgm:style>
+  </dgm:styleLbl>
+  <dgm:styleLbl name="asst2">
+    <dgm:scene3d>
+      <a:camera prst="orthographicFront"/>
+      <a:lightRig rig="threePt" dir="t"/>
+    </dgm:scene3d>
+    <dgm:sp3d/>
+    <dgm:txPr/>
+    <dgm:style>
+      <a:lnRef idx="2">
+        <a:scrgbClr r="0" g="0" b="0"/>
+      </a:lnRef>
+      <a:fillRef idx="1">
+        <a:scrgbClr r="0" g="0" b="0"/>
+      </a:fillRef>
+      <a:effectRef idx="0">
+        <a:scrgbClr r="0" g="0" b="0"/>
+      </a:effectRef>
+      <a:fontRef idx="minor">
+        <a:schemeClr val="lt1"/>
+      </a:fontRef>
+    </dgm:style>
+  </dgm:styleLbl>
+  <dgm:styleLbl name="asst3">
+    <dgm:scene3d>
+      <a:camera prst="orthographicFront"/>
+      <a:lightRig rig="threePt" dir="t"/>
+    </dgm:scene3d>
+    <dgm:sp3d/>
+    <dgm:txPr/>
+    <dgm:style>
+      <a:lnRef idx="2">
+        <a:scrgbClr r="0" g="0" b="0"/>
+      </a:lnRef>
+      <a:fillRef idx="1">
+        <a:scrgbClr r="0" g="0" b="0"/>
+      </a:fillRef>
+      <a:effectRef idx="0">
+        <a:scrgbClr r="0" g="0" b="0"/>
+      </a:effectRef>
+      <a:fontRef idx="minor">
+        <a:schemeClr val="lt1"/>
+      </a:fontRef>
+    </dgm:style>
+  </dgm:styleLbl>
+  <dgm:styleLbl name="asst4">
+    <dgm:scene3d>
+      <a:camera prst="orthographicFront"/>
+      <a:lightRig rig="threePt" dir="t"/>
+    </dgm:scene3d>
+    <dgm:sp3d/>
+    <dgm:txPr/>
+    <dgm:style>
+      <a:lnRef idx="2">
+        <a:scrgbClr r="0" g="0" b="0"/>
+      </a:lnRef>
+      <a:fillRef idx="1">
+        <a:scrgbClr r="0" g="0" b="0"/>
+      </a:fillRef>
+      <a:effectRef idx="0">
+        <a:scrgbClr r="0" g="0" b="0"/>
+      </a:effectRef>
+      <a:fontRef idx="minor">
+        <a:schemeClr val="lt1"/>
+      </a:fontRef>
+    </dgm:style>
+  </dgm:styleLbl>
+  <dgm:styleLbl name="parChTrans2D1">
+    <dgm:scene3d>
+      <a:camera prst="orthographicFront"/>
+      <a:lightRig rig="threePt" dir="t"/>
+    </dgm:scene3d>
+    <dgm:sp3d/>
+    <dgm:txPr/>
+    <dgm:style>
+      <a:lnRef idx="2">
+        <a:scrgbClr r="0" g="0" b="0"/>
+      </a:lnRef>
+      <a:fillRef idx="1">
+        <a:scrgbClr r="0" g="0" b="0"/>
+      </a:fillRef>
+      <a:effectRef idx="0">
+        <a:scrgbClr r="0" g="0" b="0"/>
+      </a:effectRef>
+      <a:fontRef idx="minor">
+        <a:schemeClr val="lt1"/>
+      </a:fontRef>
+    </dgm:style>
+  </dgm:styleLbl>
+  <dgm:styleLbl name="parChTrans2D2">
+    <dgm:scene3d>
+      <a:camera prst="orthographicFront"/>
+      <a:lightRig rig="threePt" dir="t"/>
+    </dgm:scene3d>
+    <dgm:sp3d/>
+    <dgm:txPr/>
+    <dgm:style>
+      <a:lnRef idx="2">
+        <a:scrgbClr r="0" g="0" b="0"/>
+      </a:lnRef>
+      <a:fillRef idx="1">
+        <a:scrgbClr r="0" g="0" b="0"/>
+      </a:fillRef>
+      <a:effectRef idx="0">
+        <a:scrgbClr r="0" g="0" b="0"/>
+      </a:effectRef>
+      <a:fontRef idx="minor">
+        <a:schemeClr val="lt1"/>
+      </a:fontRef>
+    </dgm:style>
+  </dgm:styleLbl>
+  <dgm:styleLbl name="parChTrans2D3">
+    <dgm:scene3d>
+      <a:camera prst="orthographicFront"/>
+      <a:lightRig rig="threePt" dir="t"/>
+    </dgm:scene3d>
+    <dgm:sp3d/>
+    <dgm:txPr/>
+    <dgm:style>
+      <a:lnRef idx="2">
+        <a:scrgbClr r="0" g="0" b="0"/>
+      </a:lnRef>
+      <a:fillRef idx="1">
+        <a:scrgbClr r="0" g="0" b="0"/>
+      </a:fillRef>
+      <a:effectRef idx="0">
+        <a:scrgbClr r="0" g="0" b="0"/>
+      </a:effectRef>
+      <a:fontRef idx="minor">
+        <a:schemeClr val="lt1"/>
+      </a:fontRef>
+    </dgm:style>
+  </dgm:styleLbl>
+  <dgm:styleLbl name="parChTrans2D4">
+    <dgm:scene3d>
+      <a:camera prst="orthographicFront"/>
+      <a:lightRig rig="threePt" dir="t"/>
+    </dgm:scene3d>
+    <dgm:sp3d/>
+    <dgm:txPr/>
+    <dgm:style>
+      <a:lnRef idx="2">
+        <a:scrgbClr r="0" g="0" b="0"/>
+      </a:lnRef>
+      <a:fillRef idx="1">
+        <a:scrgbClr r="0" g="0" b="0"/>
+      </a:fillRef>
+      <a:effectRef idx="0">
+        <a:scrgbClr r="0" g="0" b="0"/>
+      </a:effectRef>
+      <a:fontRef idx="minor">
+        <a:schemeClr val="lt1"/>
+      </a:fontRef>
+    </dgm:style>
+  </dgm:styleLbl>
+  <dgm:styleLbl name="parChTrans1D1">
+    <dgm:scene3d>
+      <a:camera prst="orthographicFront"/>
+      <a:lightRig rig="threePt" dir="t"/>
+    </dgm:scene3d>
+    <dgm:sp3d/>
+    <dgm:txPr/>
+    <dgm:style>
+      <a:lnRef idx="2">
+        <a:scrgbClr r="0" g="0" b="0"/>
+      </a:lnRef>
+      <a:fillRef idx="0">
+        <a:scrgbClr r="0" g="0" b="0"/>
+      </a:fillRef>
+      <a:effectRef idx="0">
+        <a:scrgbClr r="0" g="0" b="0"/>
+      </a:effectRef>
+      <a:fontRef idx="minor"/>
+    </dgm:style>
+  </dgm:styleLbl>
+  <dgm:styleLbl name="parChTrans1D2">
+    <dgm:scene3d>
+      <a:camera prst="orthographicFront"/>
+      <a:lightRig rig="threePt" dir="t"/>
+    </dgm:scene3d>
+    <dgm:sp3d/>
+    <dgm:txPr/>
+    <dgm:style>
+      <a:lnRef idx="2">
+        <a:scrgbClr r="0" g="0" b="0"/>
+      </a:lnRef>
+      <a:fillRef idx="0">
+        <a:scrgbClr r="0" g="0" b="0"/>
+      </a:fillRef>
+      <a:effectRef idx="0">
+        <a:scrgbClr r="0" g="0" b="0"/>
+      </a:effectRef>
+      <a:fontRef idx="minor"/>
+    </dgm:style>
+  </dgm:styleLbl>
+  <dgm:styleLbl name="parChTrans1D3">
+    <dgm:scene3d>
+      <a:camera prst="orthographicFront"/>
+      <a:lightRig rig="threePt" dir="t"/>
+    </dgm:scene3d>
+    <dgm:sp3d/>
+    <dgm:txPr/>
+    <dgm:style>
+      <a:lnRef idx="2">
+        <a:scrgbClr r="0" g="0" b="0"/>
+      </a:lnRef>
+      <a:fillRef idx="0">
+        <a:scrgbClr r="0" g="0" b="0"/>
+      </a:fillRef>
+      <a:effectRef idx="0">
+        <a:scrgbClr r="0" g="0" b="0"/>
+      </a:effectRef>
+      <a:fontRef idx="minor"/>
+    </dgm:style>
+  </dgm:styleLbl>
+  <dgm:styleLbl name="parChTrans1D4">
+    <dgm:scene3d>
+      <a:camera prst="orthographicFront"/>
+      <a:lightRig rig="threePt" dir="t"/>
+    </dgm:scene3d>
+    <dgm:sp3d/>
+    <dgm:txPr/>
+    <dgm:style>
+      <a:lnRef idx="2">
+        <a:scrgbClr r="0" g="0" b="0"/>
+      </a:lnRef>
+      <a:fillRef idx="0">
+        <a:scrgbClr r="0" g="0" b="0"/>
+      </a:fillRef>
+      <a:effectRef idx="0">
+        <a:scrgbClr r="0" g="0" b="0"/>
+      </a:effectRef>
+      <a:fontRef idx="minor"/>
+    </dgm:style>
+  </dgm:styleLbl>
+  <dgm:styleLbl name="fgAcc1">
+    <dgm:scene3d>
+      <a:camera prst="orthographicFront"/>
+      <a:lightRig rig="threePt" dir="t"/>
+    </dgm:scene3d>
+    <dgm:sp3d/>
+    <dgm:txPr/>
+    <dgm:style>
+      <a:lnRef idx="2">
+        <a:scrgbClr r="0" g="0" b="0"/>
+      </a:lnRef>
+      <a:fillRef idx="1">
+        <a:scrgbClr r="0" g="0" b="0"/>
+      </a:fillRef>
+      <a:effectRef idx="0">
+        <a:scrgbClr r="0" g="0" b="0"/>
+      </a:effectRef>
+      <a:fontRef idx="minor"/>
+    </dgm:style>
+  </dgm:styleLbl>
+  <dgm:styleLbl name="conFgAcc1">
+    <dgm:scene3d>
+      <a:camera prst="orthographicFront"/>
+      <a:lightRig rig="threePt" dir="t"/>
+    </dgm:scene3d>
+    <dgm:sp3d/>
+    <dgm:txPr/>
+    <dgm:style>
+      <a:lnRef idx="2">
+        <a:scrgbClr r="0" g="0" b="0"/>
+      </a:lnRef>
+      <a:fillRef idx="1">
+        <a:scrgbClr r="0" g="0" b="0"/>
+      </a:fillRef>
+      <a:effectRef idx="0">
+        <a:scrgbClr r="0" g="0" b="0"/>
+      </a:effectRef>
+      <a:fontRef idx="minor"/>
+    </dgm:style>
+  </dgm:styleLbl>
+  <dgm:styleLbl name="alignAcc1">
+    <dgm:scene3d>
+      <a:camera prst="orthographicFront"/>
+      <a:lightRig rig="threePt" dir="t"/>
+    </dgm:scene3d>
+    <dgm:sp3d/>
+    <dgm:txPr/>
+    <dgm:style>
+      <a:lnRef idx="2">
+        <a:scrgbClr r="0" g="0" b="0"/>
+      </a:lnRef>
+      <a:fillRef idx="1">
+        <a:scrgbClr r="0" g="0" b="0"/>
+      </a:fillRef>
+      <a:effectRef idx="0">
+        <a:scrgbClr r="0" g="0" b="0"/>
+      </a:effectRef>
+      <a:fontRef idx="minor"/>
+    </dgm:style>
+  </dgm:styleLbl>
+  <dgm:styleLbl name="trAlignAcc1">
+    <dgm:scene3d>
+      <a:camera prst="orthographicFront"/>
+      <a:lightRig rig="threePt" dir="t"/>
+    </dgm:scene3d>
+    <dgm:sp3d/>
+    <dgm:txPr/>
+    <dgm:style>
+      <a:lnRef idx="1">
+        <a:scrgbClr r="0" g="0" b="0"/>
+      </a:lnRef>
+      <a:fillRef idx="1">
+        <a:scrgbClr r="0" g="0" b="0"/>
+      </a:fillRef>
+      <a:effectRef idx="0">
+        <a:scrgbClr r="0" g="0" b="0"/>
+      </a:effectRef>
+      <a:fontRef idx="minor"/>
+    </dgm:style>
+  </dgm:styleLbl>
+  <dgm:styleLbl name="bgAcc1">
+    <dgm:scene3d>
+      <a:camera prst="orthographicFront"/>
+      <a:lightRig rig="threePt" dir="t"/>
+    </dgm:scene3d>
+    <dgm:sp3d/>
+    <dgm:txPr/>
+    <dgm:style>
+      <a:lnRef idx="2">
+        <a:scrgbClr r="0" g="0" b="0"/>
+      </a:lnRef>
+      <a:fillRef idx="1">
+        <a:scrgbClr r="0" g="0" b="0"/>
+      </a:fillRef>
+      <a:effectRef idx="0">
+        <a:scrgbClr r="0" g="0" b="0"/>
+      </a:effectRef>
+      <a:fontRef idx="minor"/>
+    </dgm:style>
+  </dgm:styleLbl>
+  <dgm:styleLbl name="solidFgAcc1">
+    <dgm:scene3d>
+      <a:camera prst="orthographicFront"/>
+      <a:lightRig rig="threePt" dir="t"/>
+    </dgm:scene3d>
+    <dgm:sp3d/>
+    <dgm:txPr/>
+    <dgm:style>
+      <a:lnRef idx="2">
+        <a:scrgbClr r="0" g="0" b="0"/>
+      </a:lnRef>
+      <a:fillRef idx="1">
+        <a:scrgbClr r="0" g="0" b="0"/>
+      </a:fillRef>
+      <a:effectRef idx="0">
+        <a:scrgbClr r="0" g="0" b="0"/>
+      </a:effectRef>
+      <a:fontRef idx="minor"/>
+    </dgm:style>
+  </dgm:styleLbl>
+  <dgm:styleLbl name="solidAlignAcc1">
+    <dgm:scene3d>
+      <a:camera prst="orthographicFront"/>
+      <a:lightRig rig="threePt" dir="t"/>
+    </dgm:scene3d>
+    <dgm:sp3d/>
+    <dgm:txPr/>
+    <dgm:style>
+      <a:lnRef idx="2">
+        <a:scrgbClr r="0" g="0" b="0"/>
+      </a:lnRef>
+      <a:fillRef idx="1">
+        <a:scrgbClr r="0" g="0" b="0"/>
+      </a:fillRef>
+      <a:effectRef idx="0">
+        <a:scrgbClr r="0" g="0" b="0"/>
+      </a:effectRef>
+      <a:fontRef idx="minor"/>
+    </dgm:style>
+  </dgm:styleLbl>
+  <dgm:styleLbl name="solidBgAcc1">
+    <dgm:scene3d>
+      <a:camera prst="orthographicFront"/>
+      <a:lightRig rig="threePt" dir="t"/>
+    </dgm:scene3d>
+    <dgm:sp3d/>
+    <dgm:txPr/>
+    <dgm:style>
+      <a:lnRef idx="2">
+        <a:scrgbClr r="0" g="0" b="0"/>
+      </a:lnRef>
+      <a:fillRef idx="1">
+        <a:scrgbClr r="0" g="0" b="0"/>
+      </a:fillRef>
+      <a:effectRef idx="0">
+        <a:scrgbClr r="0" g="0" b="0"/>
+      </a:effectRef>
+      <a:fontRef idx="minor"/>
+    </dgm:style>
+  </dgm:styleLbl>
+  <dgm:styleLbl name="fgAccFollowNode1">
+    <dgm:scene3d>
+      <a:camera prst="orthographicFront"/>
+      <a:lightRig rig="threePt" dir="t"/>
+    </dgm:scene3d>
+    <dgm:sp3d/>
+    <dgm:txPr/>
+    <dgm:style>
+      <a:lnRef idx="2">
+        <a:scrgbClr r="0" g="0" b="0"/>
+      </a:lnRef>
+      <a:fillRef idx="1">
+        <a:scrgbClr r="0" g="0" b="0"/>
+      </a:fillRef>
+      <a:effectRef idx="0">
+        <a:scrgbClr r="0" g="0" b="0"/>
+      </a:effectRef>
+      <a:fontRef idx="minor"/>
+    </dgm:style>
+  </dgm:styleLbl>
+  <dgm:styleLbl name="alignAccFollowNode1">
+    <dgm:scene3d>
+      <a:camera prst="orthographicFront"/>
+      <a:lightRig rig="threePt" dir="t"/>
+    </dgm:scene3d>
+    <dgm:sp3d/>
+    <dgm:txPr/>
+    <dgm:style>
+      <a:lnRef idx="2">
+        <a:scrgbClr r="0" g="0" b="0"/>
+      </a:lnRef>
+      <a:fillRef idx="1">
+        <a:scrgbClr r="0" g="0" b="0"/>
+      </a:fillRef>
+      <a:effectRef idx="0">
+        <a:scrgbClr r="0" g="0" b="0"/>
+      </a:effectRef>
+      <a:fontRef idx="minor"/>
+    </dgm:style>
+  </dgm:styleLbl>
+  <dgm:styleLbl name="bgAccFollowNode1">
+    <dgm:scene3d>
+      <a:camera prst="orthographicFront"/>
+      <a:lightRig rig="threePt" dir="t"/>
+    </dgm:scene3d>
+    <dgm:sp3d/>
+    <dgm:txPr/>
+    <dgm:style>
+      <a:lnRef idx="2">
+        <a:scrgbClr r="0" g="0" b="0"/>
+      </a:lnRef>
+      <a:fillRef idx="1">
+        <a:scrgbClr r="0" g="0" b="0"/>
+      </a:fillRef>
+      <a:effectRef idx="0">
+        <a:scrgbClr r="0" g="0" b="0"/>
+      </a:effectRef>
+      <a:fontRef idx="minor"/>
+    </dgm:style>
+  </dgm:styleLbl>
+  <dgm:styleLbl name="fgAcc0">
+    <dgm:scene3d>
+      <a:camera prst="orthographicFront"/>
+      <a:lightRig rig="threePt" dir="t"/>
+    </dgm:scene3d>
+    <dgm:sp3d/>
+    <dgm:txPr/>
+    <dgm:style>
+      <a:lnRef idx="2">
+        <a:scrgbClr r="0" g="0" b="0"/>
+      </a:lnRef>
+      <a:fillRef idx="1">
+        <a:scrgbClr r="0" g="0" b="0"/>
+      </a:fillRef>
+      <a:effectRef idx="0">
+        <a:scrgbClr r="0" g="0" b="0"/>
+      </a:effectRef>
+      <a:fontRef idx="minor"/>
+    </dgm:style>
+  </dgm:styleLbl>
+  <dgm:styleLbl name="fgAcc2">
+    <dgm:scene3d>
+      <a:camera prst="orthographicFront"/>
+      <a:lightRig rig="threePt" dir="t"/>
+    </dgm:scene3d>
+    <dgm:sp3d/>
+    <dgm:txPr/>
+    <dgm:style>
+      <a:lnRef idx="2">
+        <a:scrgbClr r="0" g="0" b="0"/>
+      </a:lnRef>
+      <a:fillRef idx="1">
+        <a:scrgbClr r="0" g="0" b="0"/>
+      </a:fillRef>
+      <a:effectRef idx="0">
+        <a:scrgbClr r="0" g="0" b="0"/>
+      </a:effectRef>
+      <a:fontRef idx="minor"/>
+    </dgm:style>
+  </dgm:styleLbl>
+  <dgm:styleLbl name="fgAcc3">
+    <dgm:scene3d>
+      <a:camera prst="orthographicFront"/>
+      <a:lightRig rig="threePt" dir="t"/>
+    </dgm:scene3d>
+    <dgm:sp3d/>
+    <dgm:txPr/>
+    <dgm:style>
+      <a:lnRef idx="2">
+        <a:scrgbClr r="0" g="0" b="0"/>
+      </a:lnRef>
+      <a:fillRef idx="1">
+        <a:scrgbClr r="0" g="0" b="0"/>
+      </a:fillRef>
+      <a:effectRef idx="0">
+        <a:scrgbClr r="0" g="0" b="0"/>
+      </a:effectRef>
+      <a:fontRef idx="minor"/>
+    </dgm:style>
+  </dgm:styleLbl>
+  <dgm:styleLbl name="fgAcc4">
+    <dgm:scene3d>
+      <a:camera prst="orthographicFront"/>
+      <a:lightRig rig="threePt" dir="t"/>
+    </dgm:scene3d>
+    <dgm:sp3d/>
+    <dgm:txPr/>
+    <dgm:style>
+      <a:lnRef idx="2">
+        <a:scrgbClr r="0" g="0" b="0"/>
+      </a:lnRef>
+      <a:fillRef idx="1">
+        <a:scrgbClr r="0" g="0" b="0"/>
+      </a:fillRef>
+      <a:effectRef idx="0">
+        <a:scrgbClr r="0" g="0" b="0"/>
+      </a:effectRef>
+      <a:fontRef idx="minor"/>
+    </dgm:style>
+  </dgm:styleLbl>
+  <dgm:styleLbl name="bgShp">
+    <dgm:scene3d>
+      <a:camera prst="orthographicFront"/>
+      <a:lightRig rig="threePt" dir="t"/>
+    </dgm:scene3d>
+    <dgm:sp3d/>
+    <dgm:txPr/>
+    <dgm:style>
+      <a:lnRef idx="0">
+        <a:scrgbClr r="0" g="0" b="0"/>
+      </a:lnRef>
+      <a:fillRef idx="1">
+        <a:scrgbClr r="0" g="0" b="0"/>
+      </a:fillRef>
+      <a:effectRef idx="0">
+        <a:scrgbClr r="0" g="0" b="0"/>
+      </a:effectRef>
+      <a:fontRef idx="minor"/>
+    </dgm:style>
+  </dgm:styleLbl>
+  <dgm:styleLbl name="dkBgShp">
+    <dgm:scene3d>
+      <a:camera prst="orthographicFront"/>
+      <a:lightRig rig="threePt" dir="t"/>
+    </dgm:scene3d>
+    <dgm:sp3d/>
+    <dgm:txPr/>
+    <dgm:style>
+      <a:lnRef idx="0">
+        <a:scrgbClr r="0" g="0" b="0"/>
+      </a:lnRef>
+      <a:fillRef idx="1">
+        <a:scrgbClr r="0" g="0" b="0"/>
+      </a:fillRef>
+      <a:effectRef idx="0">
+        <a:scrgbClr r="0" g="0" b="0"/>
+      </a:effectRef>
+      <a:fontRef idx="minor"/>
+    </dgm:style>
+  </dgm:styleLbl>
+  <dgm:styleLbl name="trBgShp">
+    <dgm:scene3d>
+      <a:camera prst="orthographicFront"/>
+      <a:lightRig rig="threePt" dir="t"/>
+    </dgm:scene3d>
+    <dgm:sp3d/>
+    <dgm:txPr/>
+    <dgm:style>
+      <a:lnRef idx="0">
+        <a:scrgbClr r="0" g="0" b="0"/>
+      </a:lnRef>
+      <a:fillRef idx="1">
+        <a:scrgbClr r="0" g="0" b="0"/>
+      </a:fillRef>
+      <a:effectRef idx="0">
+        <a:scrgbClr r="0" g="0" b="0"/>
+      </a:effectRef>
+      <a:fontRef idx="minor"/>
+    </dgm:style>
+  </dgm:styleLbl>
+  <dgm:styleLbl name="fgShp">
+    <dgm:scene3d>
+      <a:camera prst="orthographicFront"/>
+      <a:lightRig rig="threePt" dir="t"/>
+    </dgm:scene3d>
+    <dgm:sp3d/>
+    <dgm:txPr/>
+    <dgm:style>
+      <a:lnRef idx="2">
+        <a:scrgbClr r="0" g="0" b="0"/>
+      </a:lnRef>
+      <a:fillRef idx="1">
+        <a:scrgbClr r="0" g="0" b="0"/>
+      </a:fillRef>
+      <a:effectRef idx="0">
+        <a:scrgbClr r="0" g="0" b="0"/>
+      </a:effectRef>
+      <a:fontRef idx="minor"/>
+    </dgm:style>
+  </dgm:styleLbl>
+  <dgm:styleLbl name="revTx">
+    <dgm:scene3d>
+      <a:camera prst="orthographicFront"/>
+      <a:lightRig rig="threePt" dir="t"/>
+    </dgm:scene3d>
+    <dgm:sp3d/>
+    <dgm:txPr/>
+    <dgm:style>
+      <a:lnRef idx="0">
+        <a:scrgbClr r="0" g="0" b="0"/>
+      </a:lnRef>
+      <a:fillRef idx="0">
+        <a:scrgbClr r="0" g="0" b="0"/>
+      </a:fillRef>
+      <a:effectRef idx="0">
+        <a:scrgbClr r="0" g="0" b="0"/>
+      </a:effectRef>
+      <a:fontRef idx="minor"/>
+    </dgm:style>
+  </dgm:styleLbl>
+</dgm:styleDef>
+</file>
+
 <file path=ppt/diagrams/quickStyle2.xml><?xml version="1.0" encoding="utf-8"?>
 <dgm:styleDef xmlns:dgm="http://schemas.openxmlformats.org/drawingml/2006/diagram" xmlns:a="http://schemas.openxmlformats.org/drawingml/2006/main" uniqueId="urn:microsoft.com/office/officeart/2005/8/quickstyle/simple4">
   <dgm:title val=""/>
@@ -39231,7 +42002,7 @@
           <a:p>
             <a:fld id="{76D85276-DD02-47B7-856E-4A938C5912E6}" type="datetimeFigureOut">
               <a:rPr lang="en-US" smtClean="0"/>
-              <a:t>2/1/2019</a:t>
+              <a:t>2/2/2019</a:t>
             </a:fld>
             <a:endParaRPr lang="en-US" dirty="0"/>
           </a:p>
@@ -39401,7 +42172,7 @@
           <a:p>
             <a:fld id="{76D85276-DD02-47B7-856E-4A938C5912E6}" type="datetimeFigureOut">
               <a:rPr lang="en-US" smtClean="0"/>
-              <a:t>2/1/2019</a:t>
+              <a:t>2/2/2019</a:t>
             </a:fld>
             <a:endParaRPr lang="en-US" dirty="0"/>
           </a:p>
@@ -39581,7 +42352,7 @@
           <a:p>
             <a:fld id="{76D85276-DD02-47B7-856E-4A938C5912E6}" type="datetimeFigureOut">
               <a:rPr lang="en-US" smtClean="0"/>
-              <a:t>2/1/2019</a:t>
+              <a:t>2/2/2019</a:t>
             </a:fld>
             <a:endParaRPr lang="en-US" dirty="0"/>
           </a:p>
@@ -39751,7 +42522,7 @@
           <a:p>
             <a:fld id="{76D85276-DD02-47B7-856E-4A938C5912E6}" type="datetimeFigureOut">
               <a:rPr lang="en-US" smtClean="0"/>
-              <a:t>2/1/2019</a:t>
+              <a:t>2/2/2019</a:t>
             </a:fld>
             <a:endParaRPr lang="en-US" dirty="0"/>
           </a:p>
@@ -39995,7 +42766,7 @@
           <a:p>
             <a:fld id="{76D85276-DD02-47B7-856E-4A938C5912E6}" type="datetimeFigureOut">
               <a:rPr lang="en-US" smtClean="0"/>
-              <a:t>2/1/2019</a:t>
+              <a:t>2/2/2019</a:t>
             </a:fld>
             <a:endParaRPr lang="en-US" dirty="0"/>
           </a:p>
@@ -40227,7 +42998,7 @@
           <a:p>
             <a:fld id="{76D85276-DD02-47B7-856E-4A938C5912E6}" type="datetimeFigureOut">
               <a:rPr lang="en-US" smtClean="0"/>
-              <a:t>2/1/2019</a:t>
+              <a:t>2/2/2019</a:t>
             </a:fld>
             <a:endParaRPr lang="en-US" dirty="0"/>
           </a:p>
@@ -40594,7 +43365,7 @@
           <a:p>
             <a:fld id="{76D85276-DD02-47B7-856E-4A938C5912E6}" type="datetimeFigureOut">
               <a:rPr lang="en-US" smtClean="0"/>
-              <a:t>2/1/2019</a:t>
+              <a:t>2/2/2019</a:t>
             </a:fld>
             <a:endParaRPr lang="en-US" dirty="0"/>
           </a:p>
@@ -40712,7 +43483,7 @@
           <a:p>
             <a:fld id="{76D85276-DD02-47B7-856E-4A938C5912E6}" type="datetimeFigureOut">
               <a:rPr lang="en-US" smtClean="0"/>
-              <a:t>2/1/2019</a:t>
+              <a:t>2/2/2019</a:t>
             </a:fld>
             <a:endParaRPr lang="en-US" dirty="0"/>
           </a:p>
@@ -40807,7 +43578,7 @@
           <a:p>
             <a:fld id="{76D85276-DD02-47B7-856E-4A938C5912E6}" type="datetimeFigureOut">
               <a:rPr lang="en-US" smtClean="0"/>
-              <a:t>2/1/2019</a:t>
+              <a:t>2/2/2019</a:t>
             </a:fld>
             <a:endParaRPr lang="en-US" dirty="0"/>
           </a:p>
@@ -41084,7 +43855,7 @@
           <a:p>
             <a:fld id="{76D85276-DD02-47B7-856E-4A938C5912E6}" type="datetimeFigureOut">
               <a:rPr lang="en-US" smtClean="0"/>
-              <a:t>2/1/2019</a:t>
+              <a:t>2/2/2019</a:t>
             </a:fld>
             <a:endParaRPr lang="en-US" dirty="0"/>
           </a:p>
@@ -41340,7 +44111,7 @@
           <a:p>
             <a:fld id="{76D85276-DD02-47B7-856E-4A938C5912E6}" type="datetimeFigureOut">
               <a:rPr lang="en-US" smtClean="0"/>
-              <a:t>2/1/2019</a:t>
+              <a:t>2/2/2019</a:t>
             </a:fld>
             <a:endParaRPr lang="en-US" dirty="0"/>
           </a:p>
@@ -41553,7 +44324,7 @@
           <a:p>
             <a:fld id="{76D85276-DD02-47B7-856E-4A938C5912E6}" type="datetimeFigureOut">
               <a:rPr lang="en-US" smtClean="0"/>
-              <a:t>2/1/2019</a:t>
+              <a:t>2/2/2019</a:t>
             </a:fld>
             <a:endParaRPr lang="en-US" dirty="0"/>
           </a:p>
@@ -51322,6 +54093,595 @@
           <a:chExt cx="0" cy="0"/>
         </a:xfrm>
       </p:grpSpPr>
+      <p:sp>
+        <p:nvSpPr>
+          <p:cNvPr id="10" name="Freeform: Shape 9">
+            <a:extLst>
+              <a:ext uri="{FF2B5EF4-FFF2-40B4-BE49-F238E27FC236}">
+                <a16:creationId xmlns:a16="http://schemas.microsoft.com/office/drawing/2014/main" id="{46C2E80F-49A6-4372-B103-219D417A55ED}"/>
+              </a:ext>
+              <a:ext uri="{C183D7F6-B498-43B3-948B-1728B52AA6E4}">
+                <adec:decorative xmlns:adec="http://schemas.microsoft.com/office/drawing/2017/decorative" val="1"/>
+              </a:ext>
+            </a:extLst>
+          </p:cNvPr>
+          <p:cNvSpPr>
+            <a:spLocks noGrp="1" noRot="1" noChangeAspect="1" noMove="1" noResize="1" noEditPoints="1" noAdjustHandles="1" noChangeArrowheads="1" noChangeShapeType="1" noTextEdit="1"/>
+          </p:cNvSpPr>
+          <p:nvPr>
+            <p:extLst>
+              <p:ext uri="{386F3935-93C4-4BCD-93E2-E3B085C9AB24}">
+                <p16:designElem xmlns:p16="http://schemas.microsoft.com/office/powerpoint/2015/main" val="1"/>
+              </p:ext>
+            </p:extLst>
+          </p:nvPr>
+        </p:nvSpPr>
+        <p:spPr>
+          <a:xfrm>
+            <a:off x="363072" y="470925"/>
+            <a:ext cx="3285756" cy="5892104"/>
+          </a:xfrm>
+          <a:custGeom>
+            <a:avLst/>
+            <a:gdLst>
+              <a:gd name="connsiteX0" fmla="*/ 0 w 4381009"/>
+              <a:gd name="connsiteY0" fmla="*/ 0 h 5892104"/>
+              <a:gd name="connsiteX1" fmla="*/ 4157628 w 4381009"/>
+              <a:gd name="connsiteY1" fmla="*/ 0 h 5892104"/>
+              <a:gd name="connsiteX2" fmla="*/ 4169302 w 4381009"/>
+              <a:gd name="connsiteY2" fmla="*/ 68659 h 5892104"/>
+              <a:gd name="connsiteX3" fmla="*/ 4191571 w 4381009"/>
+              <a:gd name="connsiteY3" fmla="*/ 205472 h 5892104"/>
+              <a:gd name="connsiteX4" fmla="*/ 4213368 w 4381009"/>
+              <a:gd name="connsiteY4" fmla="*/ 342890 h 5892104"/>
+              <a:gd name="connsiteX5" fmla="*/ 4232030 w 4381009"/>
+              <a:gd name="connsiteY5" fmla="*/ 480913 h 5892104"/>
+              <a:gd name="connsiteX6" fmla="*/ 4250848 w 4381009"/>
+              <a:gd name="connsiteY6" fmla="*/ 618332 h 5892104"/>
+              <a:gd name="connsiteX7" fmla="*/ 4268412 w 4381009"/>
+              <a:gd name="connsiteY7" fmla="*/ 756355 h 5892104"/>
+              <a:gd name="connsiteX8" fmla="*/ 4283467 w 4381009"/>
+              <a:gd name="connsiteY8" fmla="*/ 892563 h 5892104"/>
+              <a:gd name="connsiteX9" fmla="*/ 4297737 w 4381009"/>
+              <a:gd name="connsiteY9" fmla="*/ 1030587 h 5892104"/>
+              <a:gd name="connsiteX10" fmla="*/ 4310754 w 4381009"/>
+              <a:gd name="connsiteY10" fmla="*/ 1168005 h 5892104"/>
+              <a:gd name="connsiteX11" fmla="*/ 4322045 w 4381009"/>
+              <a:gd name="connsiteY11" fmla="*/ 1303002 h 5892104"/>
+              <a:gd name="connsiteX12" fmla="*/ 4333336 w 4381009"/>
+              <a:gd name="connsiteY12" fmla="*/ 1439815 h 5892104"/>
+              <a:gd name="connsiteX13" fmla="*/ 4342745 w 4381009"/>
+              <a:gd name="connsiteY13" fmla="*/ 1574812 h 5892104"/>
+              <a:gd name="connsiteX14" fmla="*/ 4350115 w 4381009"/>
+              <a:gd name="connsiteY14" fmla="*/ 1709808 h 5892104"/>
+              <a:gd name="connsiteX15" fmla="*/ 4357799 w 4381009"/>
+              <a:gd name="connsiteY15" fmla="*/ 1844200 h 5892104"/>
+              <a:gd name="connsiteX16" fmla="*/ 4364229 w 4381009"/>
+              <a:gd name="connsiteY16" fmla="*/ 1977381 h 5892104"/>
+              <a:gd name="connsiteX17" fmla="*/ 4368777 w 4381009"/>
+              <a:gd name="connsiteY17" fmla="*/ 2109351 h 5892104"/>
+              <a:gd name="connsiteX18" fmla="*/ 4372697 w 4381009"/>
+              <a:gd name="connsiteY18" fmla="*/ 2241321 h 5892104"/>
+              <a:gd name="connsiteX19" fmla="*/ 4376461 w 4381009"/>
+              <a:gd name="connsiteY19" fmla="*/ 2372080 h 5892104"/>
+              <a:gd name="connsiteX20" fmla="*/ 4378186 w 4381009"/>
+              <a:gd name="connsiteY20" fmla="*/ 2501023 h 5892104"/>
+              <a:gd name="connsiteX21" fmla="*/ 4380068 w 4381009"/>
+              <a:gd name="connsiteY21" fmla="*/ 2629966 h 5892104"/>
+              <a:gd name="connsiteX22" fmla="*/ 4381009 w 4381009"/>
+              <a:gd name="connsiteY22" fmla="*/ 2757093 h 5892104"/>
+              <a:gd name="connsiteX23" fmla="*/ 4380068 w 4381009"/>
+              <a:gd name="connsiteY23" fmla="*/ 2883010 h 5892104"/>
+              <a:gd name="connsiteX24" fmla="*/ 4380068 w 4381009"/>
+              <a:gd name="connsiteY24" fmla="*/ 3007715 h 5892104"/>
+              <a:gd name="connsiteX25" fmla="*/ 4378186 w 4381009"/>
+              <a:gd name="connsiteY25" fmla="*/ 3131210 h 5892104"/>
+              <a:gd name="connsiteX26" fmla="*/ 4375363 w 4381009"/>
+              <a:gd name="connsiteY26" fmla="*/ 3252283 h 5892104"/>
+              <a:gd name="connsiteX27" fmla="*/ 4372697 w 4381009"/>
+              <a:gd name="connsiteY27" fmla="*/ 3372146 h 5892104"/>
+              <a:gd name="connsiteX28" fmla="*/ 4369718 w 4381009"/>
+              <a:gd name="connsiteY28" fmla="*/ 3489587 h 5892104"/>
+              <a:gd name="connsiteX29" fmla="*/ 4365170 w 4381009"/>
+              <a:gd name="connsiteY29" fmla="*/ 3606423 h 5892104"/>
+              <a:gd name="connsiteX30" fmla="*/ 4360309 w 4381009"/>
+              <a:gd name="connsiteY30" fmla="*/ 3721443 h 5892104"/>
+              <a:gd name="connsiteX31" fmla="*/ 4355918 w 4381009"/>
+              <a:gd name="connsiteY31" fmla="*/ 3834041 h 5892104"/>
+              <a:gd name="connsiteX32" fmla="*/ 4343529 w 4381009"/>
+              <a:gd name="connsiteY32" fmla="*/ 4053789 h 5892104"/>
+              <a:gd name="connsiteX33" fmla="*/ 4330356 w 4381009"/>
+              <a:gd name="connsiteY33" fmla="*/ 4264457 h 5892104"/>
+              <a:gd name="connsiteX34" fmla="*/ 4316556 w 4381009"/>
+              <a:gd name="connsiteY34" fmla="*/ 4466650 h 5892104"/>
+              <a:gd name="connsiteX35" fmla="*/ 4301344 w 4381009"/>
+              <a:gd name="connsiteY35" fmla="*/ 4657946 h 5892104"/>
+              <a:gd name="connsiteX36" fmla="*/ 4285506 w 4381009"/>
+              <a:gd name="connsiteY36" fmla="*/ 4840767 h 5892104"/>
+              <a:gd name="connsiteX37" fmla="*/ 4268412 w 4381009"/>
+              <a:gd name="connsiteY37" fmla="*/ 5010269 h 5892104"/>
+              <a:gd name="connsiteX38" fmla="*/ 4251633 w 4381009"/>
+              <a:gd name="connsiteY38" fmla="*/ 5169481 h 5892104"/>
+              <a:gd name="connsiteX39" fmla="*/ 4234853 w 4381009"/>
+              <a:gd name="connsiteY39" fmla="*/ 5315980 h 5892104"/>
+              <a:gd name="connsiteX40" fmla="*/ 4219014 w 4381009"/>
+              <a:gd name="connsiteY40" fmla="*/ 5450371 h 5892104"/>
+              <a:gd name="connsiteX41" fmla="*/ 4203959 w 4381009"/>
+              <a:gd name="connsiteY41" fmla="*/ 5569628 h 5892104"/>
+              <a:gd name="connsiteX42" fmla="*/ 4189689 w 4381009"/>
+              <a:gd name="connsiteY42" fmla="*/ 5677384 h 5892104"/>
+              <a:gd name="connsiteX43" fmla="*/ 4177770 w 4381009"/>
+              <a:gd name="connsiteY43" fmla="*/ 5768189 h 5892104"/>
+              <a:gd name="connsiteX44" fmla="*/ 4166479 w 4381009"/>
+              <a:gd name="connsiteY44" fmla="*/ 5844465 h 5892104"/>
+              <a:gd name="connsiteX45" fmla="*/ 4159132 w 4381009"/>
+              <a:gd name="connsiteY45" fmla="*/ 5892104 h 5892104"/>
+              <a:gd name="connsiteX46" fmla="*/ 0 w 4381009"/>
+              <a:gd name="connsiteY46" fmla="*/ 5892104 h 5892104"/>
+            </a:gdLst>
+            <a:ahLst/>
+            <a:cxnLst>
+              <a:cxn ang="0">
+                <a:pos x="connsiteX0" y="connsiteY0"/>
+              </a:cxn>
+              <a:cxn ang="0">
+                <a:pos x="connsiteX1" y="connsiteY1"/>
+              </a:cxn>
+              <a:cxn ang="0">
+                <a:pos x="connsiteX2" y="connsiteY2"/>
+              </a:cxn>
+              <a:cxn ang="0">
+                <a:pos x="connsiteX3" y="connsiteY3"/>
+              </a:cxn>
+              <a:cxn ang="0">
+                <a:pos x="connsiteX4" y="connsiteY4"/>
+              </a:cxn>
+              <a:cxn ang="0">
+                <a:pos x="connsiteX5" y="connsiteY5"/>
+              </a:cxn>
+              <a:cxn ang="0">
+                <a:pos x="connsiteX6" y="connsiteY6"/>
+              </a:cxn>
+              <a:cxn ang="0">
+                <a:pos x="connsiteX7" y="connsiteY7"/>
+              </a:cxn>
+              <a:cxn ang="0">
+                <a:pos x="connsiteX8" y="connsiteY8"/>
+              </a:cxn>
+              <a:cxn ang="0">
+                <a:pos x="connsiteX9" y="connsiteY9"/>
+              </a:cxn>
+              <a:cxn ang="0">
+                <a:pos x="connsiteX10" y="connsiteY10"/>
+              </a:cxn>
+              <a:cxn ang="0">
+                <a:pos x="connsiteX11" y="connsiteY11"/>
+              </a:cxn>
+              <a:cxn ang="0">
+                <a:pos x="connsiteX12" y="connsiteY12"/>
+              </a:cxn>
+              <a:cxn ang="0">
+                <a:pos x="connsiteX13" y="connsiteY13"/>
+              </a:cxn>
+              <a:cxn ang="0">
+                <a:pos x="connsiteX14" y="connsiteY14"/>
+              </a:cxn>
+              <a:cxn ang="0">
+                <a:pos x="connsiteX15" y="connsiteY15"/>
+              </a:cxn>
+              <a:cxn ang="0">
+                <a:pos x="connsiteX16" y="connsiteY16"/>
+              </a:cxn>
+              <a:cxn ang="0">
+                <a:pos x="connsiteX17" y="connsiteY17"/>
+              </a:cxn>
+              <a:cxn ang="0">
+                <a:pos x="connsiteX18" y="connsiteY18"/>
+              </a:cxn>
+              <a:cxn ang="0">
+                <a:pos x="connsiteX19" y="connsiteY19"/>
+              </a:cxn>
+              <a:cxn ang="0">
+                <a:pos x="connsiteX20" y="connsiteY20"/>
+              </a:cxn>
+              <a:cxn ang="0">
+                <a:pos x="connsiteX21" y="connsiteY21"/>
+              </a:cxn>
+              <a:cxn ang="0">
+                <a:pos x="connsiteX22" y="connsiteY22"/>
+              </a:cxn>
+              <a:cxn ang="0">
+                <a:pos x="connsiteX23" y="connsiteY23"/>
+              </a:cxn>
+              <a:cxn ang="0">
+                <a:pos x="connsiteX24" y="connsiteY24"/>
+              </a:cxn>
+              <a:cxn ang="0">
+                <a:pos x="connsiteX25" y="connsiteY25"/>
+              </a:cxn>
+              <a:cxn ang="0">
+                <a:pos x="connsiteX26" y="connsiteY26"/>
+              </a:cxn>
+              <a:cxn ang="0">
+                <a:pos x="connsiteX27" y="connsiteY27"/>
+              </a:cxn>
+              <a:cxn ang="0">
+                <a:pos x="connsiteX28" y="connsiteY28"/>
+              </a:cxn>
+              <a:cxn ang="0">
+                <a:pos x="connsiteX29" y="connsiteY29"/>
+              </a:cxn>
+              <a:cxn ang="0">
+                <a:pos x="connsiteX30" y="connsiteY30"/>
+              </a:cxn>
+              <a:cxn ang="0">
+                <a:pos x="connsiteX31" y="connsiteY31"/>
+              </a:cxn>
+              <a:cxn ang="0">
+                <a:pos x="connsiteX32" y="connsiteY32"/>
+              </a:cxn>
+              <a:cxn ang="0">
+                <a:pos x="connsiteX33" y="connsiteY33"/>
+              </a:cxn>
+              <a:cxn ang="0">
+                <a:pos x="connsiteX34" y="connsiteY34"/>
+              </a:cxn>
+              <a:cxn ang="0">
+                <a:pos x="connsiteX35" y="connsiteY35"/>
+              </a:cxn>
+              <a:cxn ang="0">
+                <a:pos x="connsiteX36" y="connsiteY36"/>
+              </a:cxn>
+              <a:cxn ang="0">
+                <a:pos x="connsiteX37" y="connsiteY37"/>
+              </a:cxn>
+              <a:cxn ang="0">
+                <a:pos x="connsiteX38" y="connsiteY38"/>
+              </a:cxn>
+              <a:cxn ang="0">
+                <a:pos x="connsiteX39" y="connsiteY39"/>
+              </a:cxn>
+              <a:cxn ang="0">
+                <a:pos x="connsiteX40" y="connsiteY40"/>
+              </a:cxn>
+              <a:cxn ang="0">
+                <a:pos x="connsiteX41" y="connsiteY41"/>
+              </a:cxn>
+              <a:cxn ang="0">
+                <a:pos x="connsiteX42" y="connsiteY42"/>
+              </a:cxn>
+              <a:cxn ang="0">
+                <a:pos x="connsiteX43" y="connsiteY43"/>
+              </a:cxn>
+              <a:cxn ang="0">
+                <a:pos x="connsiteX44" y="connsiteY44"/>
+              </a:cxn>
+              <a:cxn ang="0">
+                <a:pos x="connsiteX45" y="connsiteY45"/>
+              </a:cxn>
+              <a:cxn ang="0">
+                <a:pos x="connsiteX46" y="connsiteY46"/>
+              </a:cxn>
+            </a:cxnLst>
+            <a:rect l="l" t="t" r="r" b="b"/>
+            <a:pathLst>
+              <a:path w="4381009" h="5892104">
+                <a:moveTo>
+                  <a:pt x="0" y="0"/>
+                </a:moveTo>
+                <a:lnTo>
+                  <a:pt x="4157628" y="0"/>
+                </a:lnTo>
+                <a:lnTo>
+                  <a:pt x="4169302" y="68659"/>
+                </a:lnTo>
+                <a:lnTo>
+                  <a:pt x="4191571" y="205472"/>
+                </a:lnTo>
+                <a:lnTo>
+                  <a:pt x="4213368" y="342890"/>
+                </a:lnTo>
+                <a:lnTo>
+                  <a:pt x="4232030" y="480913"/>
+                </a:lnTo>
+                <a:lnTo>
+                  <a:pt x="4250848" y="618332"/>
+                </a:lnTo>
+                <a:lnTo>
+                  <a:pt x="4268412" y="756355"/>
+                </a:lnTo>
+                <a:lnTo>
+                  <a:pt x="4283467" y="892563"/>
+                </a:lnTo>
+                <a:lnTo>
+                  <a:pt x="4297737" y="1030587"/>
+                </a:lnTo>
+                <a:lnTo>
+                  <a:pt x="4310754" y="1168005"/>
+                </a:lnTo>
+                <a:lnTo>
+                  <a:pt x="4322045" y="1303002"/>
+                </a:lnTo>
+                <a:lnTo>
+                  <a:pt x="4333336" y="1439815"/>
+                </a:lnTo>
+                <a:lnTo>
+                  <a:pt x="4342745" y="1574812"/>
+                </a:lnTo>
+                <a:lnTo>
+                  <a:pt x="4350115" y="1709808"/>
+                </a:lnTo>
+                <a:lnTo>
+                  <a:pt x="4357799" y="1844200"/>
+                </a:lnTo>
+                <a:lnTo>
+                  <a:pt x="4364229" y="1977381"/>
+                </a:lnTo>
+                <a:lnTo>
+                  <a:pt x="4368777" y="2109351"/>
+                </a:lnTo>
+                <a:lnTo>
+                  <a:pt x="4372697" y="2241321"/>
+                </a:lnTo>
+                <a:lnTo>
+                  <a:pt x="4376461" y="2372080"/>
+                </a:lnTo>
+                <a:lnTo>
+                  <a:pt x="4378186" y="2501023"/>
+                </a:lnTo>
+                <a:lnTo>
+                  <a:pt x="4380068" y="2629966"/>
+                </a:lnTo>
+                <a:lnTo>
+                  <a:pt x="4381009" y="2757093"/>
+                </a:lnTo>
+                <a:lnTo>
+                  <a:pt x="4380068" y="2883010"/>
+                </a:lnTo>
+                <a:lnTo>
+                  <a:pt x="4380068" y="3007715"/>
+                </a:lnTo>
+                <a:lnTo>
+                  <a:pt x="4378186" y="3131210"/>
+                </a:lnTo>
+                <a:lnTo>
+                  <a:pt x="4375363" y="3252283"/>
+                </a:lnTo>
+                <a:lnTo>
+                  <a:pt x="4372697" y="3372146"/>
+                </a:lnTo>
+                <a:lnTo>
+                  <a:pt x="4369718" y="3489587"/>
+                </a:lnTo>
+                <a:lnTo>
+                  <a:pt x="4365170" y="3606423"/>
+                </a:lnTo>
+                <a:lnTo>
+                  <a:pt x="4360309" y="3721443"/>
+                </a:lnTo>
+                <a:lnTo>
+                  <a:pt x="4355918" y="3834041"/>
+                </a:lnTo>
+                <a:lnTo>
+                  <a:pt x="4343529" y="4053789"/>
+                </a:lnTo>
+                <a:lnTo>
+                  <a:pt x="4330356" y="4264457"/>
+                </a:lnTo>
+                <a:lnTo>
+                  <a:pt x="4316556" y="4466650"/>
+                </a:lnTo>
+                <a:lnTo>
+                  <a:pt x="4301344" y="4657946"/>
+                </a:lnTo>
+                <a:lnTo>
+                  <a:pt x="4285506" y="4840767"/>
+                </a:lnTo>
+                <a:lnTo>
+                  <a:pt x="4268412" y="5010269"/>
+                </a:lnTo>
+                <a:lnTo>
+                  <a:pt x="4251633" y="5169481"/>
+                </a:lnTo>
+                <a:lnTo>
+                  <a:pt x="4234853" y="5315980"/>
+                </a:lnTo>
+                <a:lnTo>
+                  <a:pt x="4219014" y="5450371"/>
+                </a:lnTo>
+                <a:lnTo>
+                  <a:pt x="4203959" y="5569628"/>
+                </a:lnTo>
+                <a:lnTo>
+                  <a:pt x="4189689" y="5677384"/>
+                </a:lnTo>
+                <a:lnTo>
+                  <a:pt x="4177770" y="5768189"/>
+                </a:lnTo>
+                <a:lnTo>
+                  <a:pt x="4166479" y="5844465"/>
+                </a:lnTo>
+                <a:lnTo>
+                  <a:pt x="4159132" y="5892104"/>
+                </a:lnTo>
+                <a:lnTo>
+                  <a:pt x="0" y="5892104"/>
+                </a:lnTo>
+                <a:close/>
+              </a:path>
+            </a:pathLst>
+          </a:custGeom>
+          <a:solidFill>
+            <a:srgbClr val="404040"/>
+          </a:solidFill>
+          <a:ln>
+            <a:noFill/>
+          </a:ln>
+        </p:spPr>
+        <p:style>
+          <a:lnRef idx="2">
+            <a:schemeClr val="accent1">
+              <a:shade val="50000"/>
+            </a:schemeClr>
+          </a:lnRef>
+          <a:fillRef idx="1">
+            <a:schemeClr val="accent1"/>
+          </a:fillRef>
+          <a:effectRef idx="0">
+            <a:schemeClr val="accent1"/>
+          </a:effectRef>
+          <a:fontRef idx="minor">
+            <a:schemeClr val="lt1"/>
+          </a:fontRef>
+        </p:style>
+        <p:txBody>
+          <a:bodyPr wrap="square" rtlCol="0" anchor="ctr">
+            <a:noAutofit/>
+          </a:bodyPr>
+          <a:lstStyle/>
+          <a:p>
+            <a:pPr marL="0" marR="0" lvl="0" indent="0" algn="ctr" defTabSz="457200" rtl="0" eaLnBrk="1" fontAlgn="auto" latinLnBrk="0" hangingPunct="1">
+              <a:lnSpc>
+                <a:spcPct val="100000"/>
+              </a:lnSpc>
+              <a:spcBef>
+                <a:spcPts val="0"/>
+              </a:spcBef>
+              <a:spcAft>
+                <a:spcPts val="0"/>
+              </a:spcAft>
+              <a:buClrTx/>
+              <a:buSzTx/>
+              <a:buFontTx/>
+              <a:buNone/>
+              <a:tabLst/>
+              <a:defRPr/>
+            </a:pPr>
+            <a:endParaRPr kumimoji="0" lang="en-US" sz="1800" b="0" i="0" u="none" strike="noStrike" kern="1200" cap="none" spc="0" normalizeH="0" baseline="0" noProof="0">
+              <a:ln>
+                <a:noFill/>
+              </a:ln>
+              <a:solidFill>
+                <a:prstClr val="white"/>
+              </a:solidFill>
+              <a:effectLst/>
+              <a:uLnTx/>
+              <a:uFillTx/>
+              <a:latin typeface="Calibri" panose="020F0502020204030204"/>
+              <a:ea typeface="+mn-ea"/>
+              <a:cs typeface="+mn-cs"/>
+            </a:endParaRPr>
+          </a:p>
+        </p:txBody>
+      </p:sp>
+      <p:sp>
+        <p:nvSpPr>
+          <p:cNvPr id="2" name="Title 1">
+            <a:extLst>
+              <a:ext uri="{FF2B5EF4-FFF2-40B4-BE49-F238E27FC236}">
+                <a16:creationId xmlns:a16="http://schemas.microsoft.com/office/drawing/2014/main" id="{8D6E77C6-F37B-4334-B668-E5D6F22C7859}"/>
+              </a:ext>
+            </a:extLst>
+          </p:cNvPr>
+          <p:cNvSpPr>
+            <a:spLocks noGrp="1"/>
+          </p:cNvSpPr>
+          <p:nvPr>
+            <p:ph type="title"/>
+          </p:nvPr>
+        </p:nvSpPr>
+        <p:spPr>
+          <a:xfrm>
+            <a:off x="647271" y="1012004"/>
+            <a:ext cx="2562119" cy="4795408"/>
+          </a:xfrm>
+        </p:spPr>
+        <p:txBody>
+          <a:bodyPr>
+            <a:normAutofit/>
+          </a:bodyPr>
+          <a:lstStyle/>
+          <a:p>
+            <a:r>
+              <a:rPr lang="en-US" sz="4100">
+                <a:solidFill>
+                  <a:srgbClr val="FFFFFF"/>
+                </a:solidFill>
+              </a:rPr>
+              <a:t>Conclusion</a:t>
+            </a:r>
+          </a:p>
+        </p:txBody>
+      </p:sp>
+      <p:graphicFrame>
+        <p:nvGraphicFramePr>
+          <p:cNvPr id="5" name="Content Placeholder 2">
+            <a:extLst>
+              <a:ext uri="{FF2B5EF4-FFF2-40B4-BE49-F238E27FC236}">
+                <a16:creationId xmlns:a16="http://schemas.microsoft.com/office/drawing/2014/main" id="{992747FF-EF28-4094-BF3C-4E2D5FF64F9E}"/>
+              </a:ext>
+            </a:extLst>
+          </p:cNvPr>
+          <p:cNvGraphicFramePr>
+            <a:graphicFrameLocks noGrp="1"/>
+          </p:cNvGraphicFramePr>
+          <p:nvPr>
+            <p:ph idx="1"/>
+            <p:extLst>
+              <p:ext uri="{D42A27DB-BD31-4B8C-83A1-F6EECF244321}">
+                <p14:modId xmlns:p14="http://schemas.microsoft.com/office/powerpoint/2010/main" val="72907487"/>
+              </p:ext>
+            </p:extLst>
+          </p:nvPr>
+        </p:nvGraphicFramePr>
+        <p:xfrm>
+          <a:off x="3895725" y="470924"/>
+          <a:ext cx="4885203" cy="5885426"/>
+        </p:xfrm>
+        <a:graphic>
+          <a:graphicData uri="http://schemas.openxmlformats.org/drawingml/2006/diagram">
+            <dgm:relIds xmlns:dgm="http://schemas.openxmlformats.org/drawingml/2006/diagram" xmlns:r="http://schemas.openxmlformats.org/officeDocument/2006/relationships" r:dm="rId2" r:lo="rId3" r:qs="rId4" r:cs="rId5"/>
+          </a:graphicData>
+        </a:graphic>
+      </p:graphicFrame>
+    </p:spTree>
+    <p:extLst>
+      <p:ext uri="{BB962C8B-B14F-4D97-AF65-F5344CB8AC3E}">
+        <p14:creationId xmlns:p14="http://schemas.microsoft.com/office/powerpoint/2010/main" val="151181490"/>
+      </p:ext>
+    </p:extLst>
+  </p:cSld>
+  <p:clrMapOvr>
+    <a:masterClrMapping/>
+  </p:clrMapOvr>
+</p:sld>
+</file>
+
+<file path=ppt/slides/slide33.xml><?xml version="1.0" encoding="utf-8"?>
+<p:sld xmlns:a="http://schemas.openxmlformats.org/drawingml/2006/main" xmlns:r="http://schemas.openxmlformats.org/officeDocument/2006/relationships" xmlns:p="http://schemas.openxmlformats.org/presentationml/2006/main">
+  <p:cSld>
+    <p:bg>
+      <p:bgPr>
+        <a:solidFill>
+          <a:schemeClr val="bg1"/>
+        </a:solidFill>
+        <a:effectLst/>
+      </p:bgPr>
+    </p:bg>
+    <p:spTree>
+      <p:nvGrpSpPr>
+        <p:cNvPr id="1" name=""/>
+        <p:cNvGrpSpPr/>
+        <p:nvPr/>
+      </p:nvGrpSpPr>
+      <p:grpSpPr>
+        <a:xfrm>
+          <a:off x="0" y="0"/>
+          <a:ext cx="0" cy="0"/>
+          <a:chOff x="0" y="0"/>
+          <a:chExt cx="0" cy="0"/>
+        </a:xfrm>
+      </p:grpSpPr>
       <p:sp useBgFill="1">
         <p:nvSpPr>
           <p:cNvPr id="8" name="Rectangle 7">
